--- a/chinese/相信有愛就有奇蹟.pptx
+++ b/chinese/相信有愛就有奇蹟.pptx
@@ -255,7 +255,7 @@
           <a:p>
             <a:fld id="{0148FCEB-3EEB-4028-8A90-DA2E84149F27}" type="datetimeFigureOut">
               <a:rPr lang="vi-VN" smtClean="0"/>
-              <a:t>10/03/2021</a:t>
+              <a:t>14/03/2021</a:t>
             </a:fld>
             <a:endParaRPr lang="vi-VN"/>
           </a:p>
@@ -425,7 +425,7 @@
           <a:p>
             <a:fld id="{0148FCEB-3EEB-4028-8A90-DA2E84149F27}" type="datetimeFigureOut">
               <a:rPr lang="vi-VN" smtClean="0"/>
-              <a:t>10/03/2021</a:t>
+              <a:t>14/03/2021</a:t>
             </a:fld>
             <a:endParaRPr lang="vi-VN"/>
           </a:p>
@@ -605,7 +605,7 @@
           <a:p>
             <a:fld id="{0148FCEB-3EEB-4028-8A90-DA2E84149F27}" type="datetimeFigureOut">
               <a:rPr lang="vi-VN" smtClean="0"/>
-              <a:t>10/03/2021</a:t>
+              <a:t>14/03/2021</a:t>
             </a:fld>
             <a:endParaRPr lang="vi-VN"/>
           </a:p>
@@ -775,7 +775,7 @@
           <a:p>
             <a:fld id="{0148FCEB-3EEB-4028-8A90-DA2E84149F27}" type="datetimeFigureOut">
               <a:rPr lang="vi-VN" smtClean="0"/>
-              <a:t>10/03/2021</a:t>
+              <a:t>14/03/2021</a:t>
             </a:fld>
             <a:endParaRPr lang="vi-VN"/>
           </a:p>
@@ -1021,7 +1021,7 @@
           <a:p>
             <a:fld id="{0148FCEB-3EEB-4028-8A90-DA2E84149F27}" type="datetimeFigureOut">
               <a:rPr lang="vi-VN" smtClean="0"/>
-              <a:t>10/03/2021</a:t>
+              <a:t>14/03/2021</a:t>
             </a:fld>
             <a:endParaRPr lang="vi-VN"/>
           </a:p>
@@ -1253,7 +1253,7 @@
           <a:p>
             <a:fld id="{0148FCEB-3EEB-4028-8A90-DA2E84149F27}" type="datetimeFigureOut">
               <a:rPr lang="vi-VN" smtClean="0"/>
-              <a:t>10/03/2021</a:t>
+              <a:t>14/03/2021</a:t>
             </a:fld>
             <a:endParaRPr lang="vi-VN"/>
           </a:p>
@@ -1620,7 +1620,7 @@
           <a:p>
             <a:fld id="{0148FCEB-3EEB-4028-8A90-DA2E84149F27}" type="datetimeFigureOut">
               <a:rPr lang="vi-VN" smtClean="0"/>
-              <a:t>10/03/2021</a:t>
+              <a:t>14/03/2021</a:t>
             </a:fld>
             <a:endParaRPr lang="vi-VN"/>
           </a:p>
@@ -1738,7 +1738,7 @@
           <a:p>
             <a:fld id="{0148FCEB-3EEB-4028-8A90-DA2E84149F27}" type="datetimeFigureOut">
               <a:rPr lang="vi-VN" smtClean="0"/>
-              <a:t>10/03/2021</a:t>
+              <a:t>14/03/2021</a:t>
             </a:fld>
             <a:endParaRPr lang="vi-VN"/>
           </a:p>
@@ -1833,7 +1833,7 @@
           <a:p>
             <a:fld id="{0148FCEB-3EEB-4028-8A90-DA2E84149F27}" type="datetimeFigureOut">
               <a:rPr lang="vi-VN" smtClean="0"/>
-              <a:t>10/03/2021</a:t>
+              <a:t>14/03/2021</a:t>
             </a:fld>
             <a:endParaRPr lang="vi-VN"/>
           </a:p>
@@ -2110,7 +2110,7 @@
           <a:p>
             <a:fld id="{0148FCEB-3EEB-4028-8A90-DA2E84149F27}" type="datetimeFigureOut">
               <a:rPr lang="vi-VN" smtClean="0"/>
-              <a:t>10/03/2021</a:t>
+              <a:t>14/03/2021</a:t>
             </a:fld>
             <a:endParaRPr lang="vi-VN"/>
           </a:p>
@@ -2363,7 +2363,7 @@
           <a:p>
             <a:fld id="{0148FCEB-3EEB-4028-8A90-DA2E84149F27}" type="datetimeFigureOut">
               <a:rPr lang="vi-VN" smtClean="0"/>
-              <a:t>10/03/2021</a:t>
+              <a:t>14/03/2021</a:t>
             </a:fld>
             <a:endParaRPr lang="vi-VN"/>
           </a:p>
@@ -2586,7 +2586,7 @@
           <a:p>
             <a:fld id="{0148FCEB-3EEB-4028-8A90-DA2E84149F27}" type="datetimeFigureOut">
               <a:rPr lang="vi-VN" smtClean="0"/>
-              <a:t>10/03/2021</a:t>
+              <a:t>14/03/2021</a:t>
             </a:fld>
             <a:endParaRPr lang="vi-VN"/>
           </a:p>
@@ -3111,22 +3111,7 @@
                   </a:outerShdw>
                 </a:effectLst>
               </a:rPr>
-              <a:t> ài,        jiù  yǒu  qí   </a:t>
-            </a:r>
-            <a:r>
-              <a:rPr lang="vi-VN" sz="4000" b="1" dirty="0" smtClean="0">
-                <a:solidFill>
-                  <a:srgbClr val="FF0000"/>
-                </a:solidFill>
-                <a:effectLst>
-                  <a:outerShdw blurRad="38100" dist="38100" dir="2700000" algn="tl">
-                    <a:srgbClr val="000000">
-                      <a:alpha val="43137"/>
-                    </a:srgbClr>
-                  </a:outerShdw>
-                </a:effectLst>
-              </a:rPr>
-              <a:t>jī</a:t>
+              <a:t> ài,        jiù  yǒu  qí   jī</a:t>
             </a:r>
             <a:endParaRPr lang="vi-VN" sz="4000" b="1" dirty="0">
               <a:solidFill>
@@ -4132,82 +4117,7 @@
                   </a:outerShdw>
                 </a:effectLst>
               </a:rPr>
-              <a:t>Shǔ guāng </a:t>
-            </a:r>
-            <a:r>
-              <a:rPr lang="vi-VN" sz="2800" b="1" dirty="0">
-                <a:solidFill>
-                  <a:srgbClr val="002060"/>
-                </a:solidFill>
-                <a:effectLst>
-                  <a:outerShdw blurRad="38100" dist="38100" dir="2700000" algn="tl">
-                    <a:srgbClr val="000000">
-                      <a:alpha val="43137"/>
-                    </a:srgbClr>
-                  </a:outerShdw>
-                </a:effectLst>
-              </a:rPr>
-              <a:t>jiàn </a:t>
-            </a:r>
-            <a:r>
-              <a:rPr lang="vi-VN" sz="2800" b="1" dirty="0">
-                <a:solidFill>
-                  <a:srgbClr val="002060"/>
-                </a:solidFill>
-                <a:effectLst>
-                  <a:outerShdw blurRad="38100" dist="38100" dir="2700000" algn="tl">
-                    <a:srgbClr val="000000">
-                      <a:alpha val="43137"/>
-                    </a:srgbClr>
-                  </a:outerShdw>
-                </a:effectLst>
-              </a:rPr>
-              <a:t>xiǎn míng</a:t>
-            </a:r>
-            <a:r>
-              <a:rPr lang="vi-VN" sz="2800" b="1" dirty="0">
-                <a:solidFill>
-                  <a:srgbClr val="002060"/>
-                </a:solidFill>
-                <a:effectLst>
-                  <a:outerShdw blurRad="38100" dist="38100" dir="2700000" algn="tl">
-                    <a:srgbClr val="000000">
-                      <a:alpha val="43137"/>
-                    </a:srgbClr>
-                  </a:outerShdw>
-                </a:effectLst>
-              </a:rPr>
-              <a:t>, diǎn liàng </a:t>
-            </a:r>
-            <a:r>
-              <a:rPr lang="vi-VN" sz="2800" b="1" dirty="0">
-                <a:solidFill>
-                  <a:srgbClr val="002060"/>
-                </a:solidFill>
-                <a:effectLst>
-                  <a:outerShdw blurRad="38100" dist="38100" dir="2700000" algn="tl">
-                    <a:srgbClr val="000000">
-                      <a:alpha val="43137"/>
-                    </a:srgbClr>
-                  </a:outerShdw>
-                </a:effectLst>
-              </a:rPr>
-              <a:t>qián fāng </a:t>
-            </a:r>
-            <a:r>
-              <a:rPr lang="vi-VN" sz="2800" b="1" dirty="0">
-                <a:solidFill>
-                  <a:srgbClr val="002060"/>
-                </a:solidFill>
-                <a:effectLst>
-                  <a:outerShdw blurRad="38100" dist="38100" dir="2700000" algn="tl">
-                    <a:srgbClr val="000000">
-                      <a:alpha val="43137"/>
-                    </a:srgbClr>
-                  </a:outerShdw>
-                </a:effectLst>
-              </a:rPr>
-              <a:t>lù</a:t>
+              <a:t>Shǔ guāng jiàn xiǎn míng, diǎn liàng qián fāng lù</a:t>
             </a:r>
           </a:p>
         </p:txBody>
@@ -4248,65 +4158,8 @@
                   </a:outerShdw>
                 </a:effectLst>
               </a:rPr>
-              <a:t>Wǒ </a:t>
-            </a:r>
-            <a:r>
-              <a:rPr lang="vi-VN" sz="2800" b="1" dirty="0">
-                <a:solidFill>
-                  <a:srgbClr val="002060"/>
-                </a:solidFill>
-                <a:effectLst>
-                  <a:outerShdw blurRad="38100" dist="38100" dir="2700000" algn="tl">
-                    <a:srgbClr val="000000">
-                      <a:alpha val="43137"/>
-                    </a:srgbClr>
-                  </a:outerShdw>
-                </a:effectLst>
-              </a:rPr>
-              <a:t>zhǎn chì gāo fēi</a:t>
-            </a:r>
-            <a:r>
-              <a:rPr lang="vi-VN" sz="2800" b="1" dirty="0">
-                <a:solidFill>
-                  <a:srgbClr val="002060"/>
-                </a:solidFill>
-                <a:effectLst>
-                  <a:outerShdw blurRad="38100" dist="38100" dir="2700000" algn="tl">
-                    <a:srgbClr val="000000">
-                      <a:alpha val="43137"/>
-                    </a:srgbClr>
-                  </a:outerShdw>
-                </a:effectLst>
-              </a:rPr>
-              <a:t>, nǐ gěi wǒ </a:t>
-            </a:r>
-            <a:r>
-              <a:rPr lang="vi-VN" sz="2800" b="1" dirty="0">
-                <a:solidFill>
-                  <a:srgbClr val="002060"/>
-                </a:solidFill>
-                <a:effectLst>
-                  <a:outerShdw blurRad="38100" dist="38100" dir="2700000" algn="tl">
-                    <a:srgbClr val="000000">
-                      <a:alpha val="43137"/>
-                    </a:srgbClr>
-                  </a:outerShdw>
-                </a:effectLst>
-              </a:rPr>
-              <a:t>xìn xīn</a:t>
-            </a:r>
-            <a:endParaRPr lang="vi-VN" sz="2800" b="1" dirty="0">
-              <a:solidFill>
-                <a:srgbClr val="002060"/>
-              </a:solidFill>
-              <a:effectLst>
-                <a:outerShdw blurRad="38100" dist="38100" dir="2700000" algn="tl">
-                  <a:srgbClr val="000000">
-                    <a:alpha val="43137"/>
-                  </a:srgbClr>
-                </a:outerShdw>
-              </a:effectLst>
-            </a:endParaRPr>
+              <a:t>Wǒ zhǎn chì gāo fēi, nǐ gěi wǒ xìn xīn</a:t>
+            </a:r>
           </a:p>
         </p:txBody>
       </p:sp>
@@ -5090,18 +4943,6 @@
               </a:rPr>
               <a:t>Zhǐ yào xiāng xìn</a:t>
             </a:r>
-            <a:endParaRPr lang="vi-VN" sz="2800" b="1" dirty="0">
-              <a:solidFill>
-                <a:srgbClr val="002060"/>
-              </a:solidFill>
-              <a:effectLst>
-                <a:outerShdw blurRad="38100" dist="38100" dir="2700000" algn="tl">
-                  <a:srgbClr val="000000">
-                    <a:alpha val="43137"/>
-                  </a:srgbClr>
-                </a:outerShdw>
-              </a:effectLst>
-            </a:endParaRPr>
           </a:p>
         </p:txBody>
       </p:sp>
@@ -5141,50 +4982,8 @@
                   </a:outerShdw>
                 </a:effectLst>
               </a:rPr>
-              <a:t>Xiāng xìn </a:t>
-            </a:r>
-            <a:r>
-              <a:rPr lang="vi-VN" sz="2800" b="1" dirty="0">
-                <a:solidFill>
-                  <a:srgbClr val="002060"/>
-                </a:solidFill>
-                <a:effectLst>
-                  <a:outerShdw blurRad="38100" dist="38100" dir="2700000" algn="tl">
-                    <a:srgbClr val="000000">
-                      <a:alpha val="43137"/>
-                    </a:srgbClr>
-                  </a:outerShdw>
-                </a:effectLst>
-              </a:rPr>
-              <a:t>jiù yǒu </a:t>
-            </a:r>
-            <a:r>
-              <a:rPr lang="vi-VN" sz="2800" b="1" dirty="0">
-                <a:solidFill>
-                  <a:srgbClr val="002060"/>
-                </a:solidFill>
-                <a:effectLst>
-                  <a:outerShdw blurRad="38100" dist="38100" dir="2700000" algn="tl">
-                    <a:srgbClr val="000000">
-                      <a:alpha val="43137"/>
-                    </a:srgbClr>
-                  </a:outerShdw>
-                </a:effectLst>
-              </a:rPr>
-              <a:t>qí jī</a:t>
-            </a:r>
-            <a:endParaRPr lang="vi-VN" sz="2800" b="1" dirty="0">
-              <a:solidFill>
-                <a:srgbClr val="002060"/>
-              </a:solidFill>
-              <a:effectLst>
-                <a:outerShdw blurRad="38100" dist="38100" dir="2700000" algn="tl">
-                  <a:srgbClr val="000000">
-                    <a:alpha val="43137"/>
-                  </a:srgbClr>
-                </a:outerShdw>
-              </a:effectLst>
-            </a:endParaRPr>
+              <a:t>Xiāng xìn jiù yǒu qí jī</a:t>
+            </a:r>
           </a:p>
         </p:txBody>
       </p:sp>
@@ -5224,50 +5023,8 @@
                   </a:outerShdw>
                 </a:effectLst>
               </a:rPr>
-              <a:t>Huī dòng xìn xīn </a:t>
-            </a:r>
-            <a:r>
-              <a:rPr lang="vi-VN" sz="2800" b="1" dirty="0">
-                <a:solidFill>
-                  <a:srgbClr val="002060"/>
-                </a:solidFill>
-                <a:effectLst>
-                  <a:outerShdw blurRad="38100" dist="38100" dir="2700000" algn="tl">
-                    <a:srgbClr val="000000">
-                      <a:alpha val="43137"/>
-                    </a:srgbClr>
-                  </a:outerShdw>
-                </a:effectLst>
-              </a:rPr>
-              <a:t>de </a:t>
-            </a:r>
-            <a:r>
-              <a:rPr lang="vi-VN" sz="2800" b="1" dirty="0">
-                <a:solidFill>
-                  <a:srgbClr val="002060"/>
-                </a:solidFill>
-                <a:effectLst>
-                  <a:outerShdw blurRad="38100" dist="38100" dir="2700000" algn="tl">
-                    <a:srgbClr val="000000">
-                      <a:alpha val="43137"/>
-                    </a:srgbClr>
-                  </a:outerShdw>
-                </a:effectLst>
-              </a:rPr>
-              <a:t>chì bǎng</a:t>
-            </a:r>
-            <a:endParaRPr lang="vi-VN" sz="2800" b="1" dirty="0">
-              <a:solidFill>
-                <a:srgbClr val="002060"/>
-              </a:solidFill>
-              <a:effectLst>
-                <a:outerShdw blurRad="38100" dist="38100" dir="2700000" algn="tl">
-                  <a:srgbClr val="000000">
-                    <a:alpha val="43137"/>
-                  </a:srgbClr>
-                </a:outerShdw>
-              </a:effectLst>
-            </a:endParaRPr>
+              <a:t>Huī dòng xìn xīn de chì bǎng</a:t>
+            </a:r>
           </a:p>
         </p:txBody>
       </p:sp>
@@ -5309,18 +5066,6 @@
               </a:rPr>
               <a:t>Suí zhe mèng xiǎng qǐ fēi</a:t>
             </a:r>
-            <a:endParaRPr lang="vi-VN" sz="2800" b="1" dirty="0">
-              <a:solidFill>
-                <a:srgbClr val="002060"/>
-              </a:solidFill>
-              <a:effectLst>
-                <a:outerShdw blurRad="38100" dist="38100" dir="2700000" algn="tl">
-                  <a:srgbClr val="000000">
-                    <a:alpha val="43137"/>
-                  </a:srgbClr>
-                </a:outerShdw>
-              </a:effectLst>
-            </a:endParaRPr>
           </a:p>
         </p:txBody>
       </p:sp>
@@ -6049,37 +5794,7 @@
                   </a:outerShdw>
                 </a:effectLst>
               </a:rPr>
-              <a:t>手牽手一</a:t>
-            </a:r>
-            <a:r>
-              <a:rPr lang="zh-TW" altLang="en-US" sz="4400" b="1" dirty="0">
-                <a:solidFill>
-                  <a:srgbClr val="0000CC"/>
-                </a:solidFill>
-                <a:effectLst>
-                  <a:outerShdw blurRad="38100" dist="38100" dir="2700000" algn="tl">
-                    <a:srgbClr val="000000">
-                      <a:alpha val="43137"/>
-                    </a:srgbClr>
-                  </a:outerShdw>
-                </a:effectLst>
-              </a:rPr>
-              <a:t>起，就</a:t>
-            </a:r>
-            <a:r>
-              <a:rPr lang="zh-TW" altLang="en-US" sz="4400" b="1" dirty="0">
-                <a:solidFill>
-                  <a:srgbClr val="0000CC"/>
-                </a:solidFill>
-                <a:effectLst>
-                  <a:outerShdw blurRad="38100" dist="38100" dir="2700000" algn="tl">
-                    <a:srgbClr val="000000">
-                      <a:alpha val="43137"/>
-                    </a:srgbClr>
-                  </a:outerShdw>
-                </a:effectLst>
-              </a:rPr>
-              <a:t>不孤寂</a:t>
+              <a:t>手牽手一起，就不孤寂</a:t>
             </a:r>
             <a:endParaRPr lang="vi-VN" sz="4400" b="1" dirty="0">
               <a:solidFill>
@@ -6173,35 +5888,8 @@
                   </a:outerShdw>
                 </a:effectLst>
               </a:rPr>
-              <a:t>Bù qīng yán </a:t>
-            </a:r>
-            <a:r>
-              <a:rPr lang="vi-VN" sz="2800" b="1" dirty="0">
-                <a:solidFill>
-                  <a:srgbClr val="002060"/>
-                </a:solidFill>
-                <a:effectLst>
-                  <a:outerShdw blurRad="38100" dist="38100" dir="2700000" algn="tl">
-                    <a:srgbClr val="000000">
-                      <a:alpha val="43137"/>
-                    </a:srgbClr>
-                  </a:outerShdw>
-                </a:effectLst>
-              </a:rPr>
-              <a:t>fàng qì</a:t>
-            </a:r>
-            <a:endParaRPr lang="vi-VN" sz="2800" b="1" dirty="0">
-              <a:solidFill>
-                <a:srgbClr val="002060"/>
-              </a:solidFill>
-              <a:effectLst>
-                <a:outerShdw blurRad="38100" dist="38100" dir="2700000" algn="tl">
-                  <a:srgbClr val="000000">
-                    <a:alpha val="43137"/>
-                  </a:srgbClr>
-                </a:outerShdw>
-              </a:effectLst>
-            </a:endParaRPr>
+              <a:t>Bù qīng yán fàng qì</a:t>
+            </a:r>
           </a:p>
         </p:txBody>
       </p:sp>
@@ -6243,18 +5931,6 @@
               </a:rPr>
               <a:t>Zhǐ yào dǎ kāi yǎn jīng</a:t>
             </a:r>
-            <a:endParaRPr lang="vi-VN" sz="2800" b="1" dirty="0">
-              <a:solidFill>
-                <a:srgbClr val="002060"/>
-              </a:solidFill>
-              <a:effectLst>
-                <a:outerShdw blurRad="38100" dist="38100" dir="2700000" algn="tl">
-                  <a:srgbClr val="000000">
-                    <a:alpha val="43137"/>
-                  </a:srgbClr>
-                </a:outerShdw>
-              </a:effectLst>
-            </a:endParaRPr>
           </a:p>
         </p:txBody>
       </p:sp>
@@ -6294,65 +5970,8 @@
                   </a:outerShdw>
                 </a:effectLst>
               </a:rPr>
-              <a:t>Shǒu </a:t>
-            </a:r>
-            <a:r>
-              <a:rPr lang="vi-VN" sz="2800" b="1" dirty="0">
-                <a:solidFill>
-                  <a:srgbClr val="002060"/>
-                </a:solidFill>
-                <a:effectLst>
-                  <a:outerShdw blurRad="38100" dist="38100" dir="2700000" algn="tl">
-                    <a:srgbClr val="000000">
-                      <a:alpha val="43137"/>
-                    </a:srgbClr>
-                  </a:outerShdw>
-                </a:effectLst>
-              </a:rPr>
-              <a:t>qiān shǒu yī qǐ</a:t>
-            </a:r>
-            <a:r>
-              <a:rPr lang="vi-VN" sz="2800" b="1" dirty="0">
-                <a:solidFill>
-                  <a:srgbClr val="002060"/>
-                </a:solidFill>
-                <a:effectLst>
-                  <a:outerShdw blurRad="38100" dist="38100" dir="2700000" algn="tl">
-                    <a:srgbClr val="000000">
-                      <a:alpha val="43137"/>
-                    </a:srgbClr>
-                  </a:outerShdw>
-                </a:effectLst>
-              </a:rPr>
-              <a:t>, jiù bù </a:t>
-            </a:r>
-            <a:r>
-              <a:rPr lang="vi-VN" sz="2800" b="1" dirty="0">
-                <a:solidFill>
-                  <a:srgbClr val="002060"/>
-                </a:solidFill>
-                <a:effectLst>
-                  <a:outerShdw blurRad="38100" dist="38100" dir="2700000" algn="tl">
-                    <a:srgbClr val="000000">
-                      <a:alpha val="43137"/>
-                    </a:srgbClr>
-                  </a:outerShdw>
-                </a:effectLst>
-              </a:rPr>
-              <a:t>gū jì</a:t>
-            </a:r>
-            <a:endParaRPr lang="vi-VN" sz="2800" b="1" dirty="0">
-              <a:solidFill>
-                <a:srgbClr val="002060"/>
-              </a:solidFill>
-              <a:effectLst>
-                <a:outerShdw blurRad="38100" dist="38100" dir="2700000" algn="tl">
-                  <a:srgbClr val="000000">
-                    <a:alpha val="43137"/>
-                  </a:srgbClr>
-                </a:outerShdw>
-              </a:effectLst>
-            </a:endParaRPr>
+              <a:t>Shǒu qiān shǒu yī qǐ, jiù bù gū jì</a:t>
+            </a:r>
           </a:p>
         </p:txBody>
       </p:sp>
@@ -7175,22 +6794,7 @@
                   </a:outerShdw>
                 </a:effectLst>
               </a:rPr>
-              <a:t>Suī rán nì zhe </a:t>
-            </a:r>
-            <a:r>
-              <a:rPr lang="vi-VN" sz="2800" b="1" dirty="0">
-                <a:solidFill>
-                  <a:srgbClr val="002060"/>
-                </a:solidFill>
-                <a:effectLst>
-                  <a:outerShdw blurRad="38100" dist="38100" dir="2700000" algn="tl">
-                    <a:srgbClr val="000000">
-                      <a:alpha val="43137"/>
-                    </a:srgbClr>
-                  </a:outerShdw>
-                </a:effectLst>
-              </a:rPr>
-              <a:t>fēng</a:t>
+              <a:t>Suī rán nì zhe fēng</a:t>
             </a:r>
           </a:p>
         </p:txBody>
@@ -7231,35 +6835,8 @@
                   </a:outerShdw>
                 </a:effectLst>
               </a:rPr>
-              <a:t>Nǐ gěi wǒ </a:t>
-            </a:r>
-            <a:r>
-              <a:rPr lang="vi-VN" sz="2800" b="1" dirty="0">
-                <a:solidFill>
-                  <a:srgbClr val="002060"/>
-                </a:solidFill>
-                <a:effectLst>
-                  <a:outerShdw blurRad="38100" dist="38100" dir="2700000" algn="tl">
-                    <a:srgbClr val="000000">
-                      <a:alpha val="43137"/>
-                    </a:srgbClr>
-                  </a:outerShdw>
-                </a:effectLst>
-              </a:rPr>
-              <a:t>yǒng qì</a:t>
-            </a:r>
-            <a:endParaRPr lang="vi-VN" sz="2800" b="1" dirty="0">
-              <a:solidFill>
-                <a:srgbClr val="002060"/>
-              </a:solidFill>
-              <a:effectLst>
-                <a:outerShdw blurRad="38100" dist="38100" dir="2700000" algn="tl">
-                  <a:srgbClr val="000000">
-                    <a:alpha val="43137"/>
-                  </a:srgbClr>
-                </a:outerShdw>
-              </a:effectLst>
-            </a:endParaRPr>
+              <a:t>Nǐ gěi wǒ yǒng qì</a:t>
+            </a:r>
           </a:p>
         </p:txBody>
       </p:sp>
@@ -7299,37 +6876,7 @@
                   </a:outerShdw>
                 </a:effectLst>
               </a:rPr>
-              <a:t>Fēi wǎng nà </a:t>
-            </a:r>
-            <a:r>
-              <a:rPr lang="vi-VN" sz="2800" b="1" dirty="0">
-                <a:solidFill>
-                  <a:srgbClr val="002060"/>
-                </a:solidFill>
-                <a:effectLst>
-                  <a:outerShdw blurRad="38100" dist="38100" dir="2700000" algn="tl">
-                    <a:srgbClr val="000000">
-                      <a:alpha val="43137"/>
-                    </a:srgbClr>
-                  </a:outerShdw>
-                </a:effectLst>
-              </a:rPr>
-              <a:t>jiā měi </a:t>
-            </a:r>
-            <a:r>
-              <a:rPr lang="vi-VN" sz="2800" b="1" dirty="0">
-                <a:solidFill>
-                  <a:srgbClr val="002060"/>
-                </a:solidFill>
-                <a:effectLst>
-                  <a:outerShdw blurRad="38100" dist="38100" dir="2700000" algn="tl">
-                    <a:srgbClr val="000000">
-                      <a:alpha val="43137"/>
-                    </a:srgbClr>
-                  </a:outerShdw>
-                </a:effectLst>
-              </a:rPr>
-              <a:t>zhī dì</a:t>
+              <a:t>Fēi wǎng nà jiā měi zhī dì</a:t>
             </a:r>
           </a:p>
         </p:txBody>
@@ -7399,6 +6946,8 @@
                     </a:srgbClr>
                   </a:outerShdw>
                 </a:effectLst>
+                <a:latin typeface="Microsoft JhengHei" panose="020B0604030504040204" pitchFamily="34" charset="-120"/>
+                <a:ea typeface="Microsoft JhengHei" panose="020B0604030504040204" pitchFamily="34" charset="-120"/>
               </a:rPr>
               <a:t>黑</a:t>
             </a:r>
@@ -7414,6 +6963,7 @@
                     </a:srgbClr>
                   </a:outerShdw>
                 </a:effectLst>
+                <a:ea typeface="Microsoft JhengHei" panose="020B0604030504040204" pitchFamily="34" charset="-120"/>
               </a:rPr>
               <a:t> </a:t>
             </a:r>
@@ -7429,10 +6979,14 @@
                     </a:srgbClr>
                   </a:outerShdw>
                 </a:effectLst>
+                <a:latin typeface="Microsoft JhengHei" panose="020B0604030504040204" pitchFamily="34" charset="-120"/>
+                <a:ea typeface="Microsoft JhengHei" panose="020B0604030504040204" pitchFamily="34" charset="-120"/>
               </a:rPr>
               <a:t>夜</a:t>
             </a:r>
-            <a:endParaRPr lang="vi-VN" sz="5400" dirty="0"/>
+            <a:endParaRPr lang="vi-VN" sz="5400" dirty="0">
+              <a:ea typeface="Microsoft JhengHei" panose="020B0604030504040204" pitchFamily="34" charset="-120"/>
+            </a:endParaRPr>
           </a:p>
         </p:txBody>
       </p:sp>
@@ -7528,6 +7082,8 @@
                     </a:srgbClr>
                   </a:outerShdw>
                 </a:effectLst>
+                <a:latin typeface="Microsoft JhengHei" panose="020B0604030504040204" pitchFamily="34" charset="-120"/>
+                <a:ea typeface="Microsoft JhengHei" panose="020B0604030504040204" pitchFamily="34" charset="-120"/>
               </a:rPr>
               <a:t>遲</a:t>
             </a:r>
@@ -7543,6 +7099,7 @@
                     </a:srgbClr>
                   </a:outerShdw>
                 </a:effectLst>
+                <a:ea typeface="Microsoft JhengHei" panose="020B0604030504040204" pitchFamily="34" charset="-120"/>
               </a:rPr>
               <a:t> </a:t>
             </a:r>
@@ -7558,10 +7115,14 @@
                     </a:srgbClr>
                   </a:outerShdw>
                 </a:effectLst>
+                <a:latin typeface="Microsoft JhengHei" panose="020B0604030504040204" pitchFamily="34" charset="-120"/>
+                <a:ea typeface="Microsoft JhengHei" panose="020B0604030504040204" pitchFamily="34" charset="-120"/>
               </a:rPr>
               <a:t>疑</a:t>
             </a:r>
-            <a:endParaRPr lang="vi-VN" sz="5400" dirty="0"/>
+            <a:endParaRPr lang="vi-VN" sz="5400" dirty="0">
+              <a:ea typeface="Microsoft JhengHei" panose="020B0604030504040204" pitchFamily="34" charset="-120"/>
+            </a:endParaRPr>
           </a:p>
         </p:txBody>
       </p:sp>
@@ -7631,7 +7192,7 @@
           <a:p>
             <a:pPr algn="ctr"/>
             <a:r>
-              <a:rPr lang="zh-TW" altLang="en-US" sz="5400" b="1" dirty="0" smtClean="0">
+              <a:rPr lang="zh-TW" altLang="en-US" sz="5400" b="1" dirty="0">
                 <a:solidFill>
                   <a:srgbClr val="0000CC"/>
                 </a:solidFill>
@@ -7642,11 +7203,12 @@
                     </a:srgbClr>
                   </a:outerShdw>
                 </a:effectLst>
+                <a:ea typeface="Microsoft JhengHei" panose="020B0604030504040204" pitchFamily="34" charset="-120"/>
               </a:rPr>
               <a:t>勇</a:t>
             </a:r>
             <a:r>
-              <a:rPr lang="vi-VN" altLang="zh-TW" sz="5400" b="1" dirty="0" smtClean="0">
+              <a:rPr lang="vi-VN" altLang="zh-TW" sz="5400" b="1" dirty="0">
                 <a:solidFill>
                   <a:srgbClr val="0000CC"/>
                 </a:solidFill>
@@ -7657,11 +7219,12 @@
                     </a:srgbClr>
                   </a:outerShdw>
                 </a:effectLst>
+                <a:ea typeface="Microsoft JhengHei" panose="020B0604030504040204" pitchFamily="34" charset="-120"/>
               </a:rPr>
               <a:t> </a:t>
             </a:r>
             <a:r>
-              <a:rPr lang="zh-TW" altLang="en-US" sz="5400" b="1" dirty="0" smtClean="0">
+              <a:rPr lang="zh-TW" altLang="en-US" sz="5400" b="1" dirty="0">
                 <a:solidFill>
                   <a:srgbClr val="0000CC"/>
                 </a:solidFill>
@@ -7672,10 +7235,23 @@
                     </a:srgbClr>
                   </a:outerShdw>
                 </a:effectLst>
+                <a:ea typeface="Microsoft JhengHei" panose="020B0604030504040204" pitchFamily="34" charset="-120"/>
               </a:rPr>
               <a:t>氣</a:t>
             </a:r>
-            <a:endParaRPr lang="vi-VN" sz="5400" dirty="0"/>
+            <a:endParaRPr lang="vi-VN" sz="5400" b="1" dirty="0">
+              <a:solidFill>
+                <a:srgbClr val="0000CC"/>
+              </a:solidFill>
+              <a:effectLst>
+                <a:outerShdw blurRad="38100" dist="38100" dir="2700000" algn="tl">
+                  <a:srgbClr val="000000">
+                    <a:alpha val="43137"/>
+                  </a:srgbClr>
+                </a:outerShdw>
+              </a:effectLst>
+              <a:ea typeface="Microsoft JhengHei" panose="020B0604030504040204" pitchFamily="34" charset="-120"/>
+            </a:endParaRPr>
           </a:p>
         </p:txBody>
       </p:sp>
@@ -7745,7 +7321,7 @@
           <a:p>
             <a:pPr algn="ctr"/>
             <a:r>
-              <a:rPr lang="zh-TW" altLang="en-US" sz="5400" b="1" dirty="0" smtClean="0">
+              <a:rPr lang="zh-TW" altLang="en-US" sz="5400" b="1" dirty="0">
                 <a:solidFill>
                   <a:srgbClr val="0000CC"/>
                 </a:solidFill>
@@ -7756,11 +7332,12 @@
                     </a:srgbClr>
                   </a:outerShdw>
                 </a:effectLst>
+                <a:ea typeface="Microsoft JhengHei" panose="020B0604030504040204" pitchFamily="34" charset="-120"/>
               </a:rPr>
               <a:t>曙</a:t>
             </a:r>
             <a:r>
-              <a:rPr lang="vi-VN" altLang="zh-TW" sz="5400" b="1" dirty="0" smtClean="0">
+              <a:rPr lang="vi-VN" altLang="zh-TW" sz="5400" b="1" dirty="0">
                 <a:solidFill>
                   <a:srgbClr val="0000CC"/>
                 </a:solidFill>
@@ -7771,11 +7348,12 @@
                     </a:srgbClr>
                   </a:outerShdw>
                 </a:effectLst>
+                <a:ea typeface="Microsoft JhengHei" panose="020B0604030504040204" pitchFamily="34" charset="-120"/>
               </a:rPr>
               <a:t> </a:t>
             </a:r>
             <a:r>
-              <a:rPr lang="zh-TW" altLang="en-US" sz="5400" b="1" dirty="0" smtClean="0">
+              <a:rPr lang="zh-TW" altLang="en-US" sz="5400" b="1" dirty="0">
                 <a:solidFill>
                   <a:srgbClr val="0000CC"/>
                 </a:solidFill>
@@ -7786,10 +7364,23 @@
                     </a:srgbClr>
                   </a:outerShdw>
                 </a:effectLst>
+                <a:ea typeface="Microsoft JhengHei" panose="020B0604030504040204" pitchFamily="34" charset="-120"/>
               </a:rPr>
               <a:t>光</a:t>
             </a:r>
-            <a:endParaRPr lang="vi-VN" sz="5400" dirty="0"/>
+            <a:endParaRPr lang="vi-VN" sz="5400" b="1" dirty="0">
+              <a:solidFill>
+                <a:srgbClr val="0000CC"/>
+              </a:solidFill>
+              <a:effectLst>
+                <a:outerShdw blurRad="38100" dist="38100" dir="2700000" algn="tl">
+                  <a:srgbClr val="000000">
+                    <a:alpha val="43137"/>
+                  </a:srgbClr>
+                </a:outerShdw>
+              </a:effectLst>
+              <a:ea typeface="Microsoft JhengHei" panose="020B0604030504040204" pitchFamily="34" charset="-120"/>
+            </a:endParaRPr>
           </a:p>
         </p:txBody>
       </p:sp>
@@ -7885,10 +7476,23 @@
                     </a:srgbClr>
                   </a:outerShdw>
                 </a:effectLst>
+                <a:ea typeface="Microsoft JhengHei" panose="020B0604030504040204" pitchFamily="34" charset="-120"/>
               </a:rPr>
               <a:t>漸</a:t>
             </a:r>
-            <a:endParaRPr lang="vi-VN" sz="5400" dirty="0"/>
+            <a:endParaRPr lang="vi-VN" sz="5400" b="1" dirty="0">
+              <a:solidFill>
+                <a:srgbClr val="0000CC"/>
+              </a:solidFill>
+              <a:effectLst>
+                <a:outerShdw blurRad="38100" dist="38100" dir="2700000" algn="tl">
+                  <a:srgbClr val="000000">
+                    <a:alpha val="43137"/>
+                  </a:srgbClr>
+                </a:outerShdw>
+              </a:effectLst>
+              <a:ea typeface="Microsoft JhengHei" panose="020B0604030504040204" pitchFamily="34" charset="-120"/>
+            </a:endParaRPr>
           </a:p>
         </p:txBody>
       </p:sp>
@@ -7958,7 +7562,7 @@
           <a:p>
             <a:pPr algn="ctr"/>
             <a:r>
-              <a:rPr lang="zh-TW" altLang="en-US" sz="5400" b="1" dirty="0" smtClean="0">
+              <a:rPr lang="zh-TW" altLang="en-US" sz="5400" b="1" dirty="0">
                 <a:solidFill>
                   <a:srgbClr val="0000CC"/>
                 </a:solidFill>
@@ -7969,11 +7573,12 @@
                     </a:srgbClr>
                   </a:outerShdw>
                 </a:effectLst>
+                <a:ea typeface="Microsoft JhengHei" panose="020B0604030504040204" pitchFamily="34" charset="-120"/>
               </a:rPr>
               <a:t>顯</a:t>
             </a:r>
             <a:r>
-              <a:rPr lang="vi-VN" altLang="zh-TW" sz="5400" b="1" dirty="0" smtClean="0">
+              <a:rPr lang="vi-VN" altLang="zh-TW" sz="5400" b="1" dirty="0">
                 <a:solidFill>
                   <a:srgbClr val="0000CC"/>
                 </a:solidFill>
@@ -7984,11 +7589,12 @@
                     </a:srgbClr>
                   </a:outerShdw>
                 </a:effectLst>
+                <a:ea typeface="Microsoft JhengHei" panose="020B0604030504040204" pitchFamily="34" charset="-120"/>
               </a:rPr>
               <a:t> </a:t>
             </a:r>
             <a:r>
-              <a:rPr lang="zh-TW" altLang="en-US" sz="5400" b="1" dirty="0" smtClean="0">
+              <a:rPr lang="zh-TW" altLang="en-US" sz="5400" b="1" dirty="0">
                 <a:solidFill>
                   <a:srgbClr val="0000CC"/>
                 </a:solidFill>
@@ -7999,10 +7605,23 @@
                     </a:srgbClr>
                   </a:outerShdw>
                 </a:effectLst>
+                <a:ea typeface="Microsoft JhengHei" panose="020B0604030504040204" pitchFamily="34" charset="-120"/>
               </a:rPr>
               <a:t>明</a:t>
             </a:r>
-            <a:endParaRPr lang="vi-VN" sz="5400" dirty="0"/>
+            <a:endParaRPr lang="vi-VN" sz="5400" b="1" dirty="0">
+              <a:solidFill>
+                <a:srgbClr val="0000CC"/>
+              </a:solidFill>
+              <a:effectLst>
+                <a:outerShdw blurRad="38100" dist="38100" dir="2700000" algn="tl">
+                  <a:srgbClr val="000000">
+                    <a:alpha val="43137"/>
+                  </a:srgbClr>
+                </a:outerShdw>
+              </a:effectLst>
+              <a:ea typeface="Microsoft JhengHei" panose="020B0604030504040204" pitchFamily="34" charset="-120"/>
+            </a:endParaRPr>
           </a:p>
         </p:txBody>
       </p:sp>
@@ -8072,7 +7691,7 @@
           <a:p>
             <a:pPr algn="ctr"/>
             <a:r>
-              <a:rPr lang="zh-TW" altLang="en-US" sz="5400" b="1" dirty="0" smtClean="0">
+              <a:rPr lang="zh-TW" altLang="en-US" sz="5400" b="1" dirty="0">
                 <a:solidFill>
                   <a:srgbClr val="0000CC"/>
                 </a:solidFill>
@@ -8083,11 +7702,12 @@
                     </a:srgbClr>
                   </a:outerShdw>
                 </a:effectLst>
+                <a:ea typeface="Microsoft JhengHei" panose="020B0604030504040204" pitchFamily="34" charset="-120"/>
               </a:rPr>
               <a:t>點</a:t>
             </a:r>
             <a:r>
-              <a:rPr lang="vi-VN" altLang="zh-TW" sz="5400" b="1" dirty="0" smtClean="0">
+              <a:rPr lang="vi-VN" altLang="zh-TW" sz="5400" b="1" dirty="0">
                 <a:solidFill>
                   <a:srgbClr val="0000CC"/>
                 </a:solidFill>
@@ -8098,11 +7718,12 @@
                     </a:srgbClr>
                   </a:outerShdw>
                 </a:effectLst>
+                <a:ea typeface="Microsoft JhengHei" panose="020B0604030504040204" pitchFamily="34" charset="-120"/>
               </a:rPr>
               <a:t> </a:t>
             </a:r>
             <a:r>
-              <a:rPr lang="zh-TW" altLang="en-US" sz="5400" b="1" dirty="0" smtClean="0">
+              <a:rPr lang="zh-TW" altLang="en-US" sz="5400" b="1" dirty="0">
                 <a:solidFill>
                   <a:srgbClr val="0000CC"/>
                 </a:solidFill>
@@ -8113,10 +7734,23 @@
                     </a:srgbClr>
                   </a:outerShdw>
                 </a:effectLst>
+                <a:ea typeface="Microsoft JhengHei" panose="020B0604030504040204" pitchFamily="34" charset="-120"/>
               </a:rPr>
               <a:t>亮</a:t>
             </a:r>
-            <a:endParaRPr lang="vi-VN" sz="5400" dirty="0"/>
+            <a:endParaRPr lang="vi-VN" sz="5400" b="1" dirty="0">
+              <a:solidFill>
+                <a:srgbClr val="0000CC"/>
+              </a:solidFill>
+              <a:effectLst>
+                <a:outerShdw blurRad="38100" dist="38100" dir="2700000" algn="tl">
+                  <a:srgbClr val="000000">
+                    <a:alpha val="43137"/>
+                  </a:srgbClr>
+                </a:outerShdw>
+              </a:effectLst>
+              <a:ea typeface="Microsoft JhengHei" panose="020B0604030504040204" pitchFamily="34" charset="-120"/>
+            </a:endParaRPr>
           </a:p>
         </p:txBody>
       </p:sp>
@@ -8186,7 +7820,7 @@
           <a:p>
             <a:pPr algn="ctr"/>
             <a:r>
-              <a:rPr lang="zh-TW" altLang="en-US" sz="5400" b="1" dirty="0" smtClean="0">
+              <a:rPr lang="zh-TW" altLang="en-US" sz="5400" b="1" dirty="0">
                 <a:solidFill>
                   <a:srgbClr val="0000CC"/>
                 </a:solidFill>
@@ -8197,11 +7831,12 @@
                     </a:srgbClr>
                   </a:outerShdw>
                 </a:effectLst>
+                <a:ea typeface="Microsoft JhengHei" panose="020B0604030504040204" pitchFamily="34" charset="-120"/>
               </a:rPr>
               <a:t>展</a:t>
             </a:r>
             <a:r>
-              <a:rPr lang="vi-VN" altLang="zh-TW" sz="5400" b="1" dirty="0" smtClean="0">
+              <a:rPr lang="vi-VN" altLang="zh-TW" sz="5400" b="1" dirty="0">
                 <a:solidFill>
                   <a:srgbClr val="0000CC"/>
                 </a:solidFill>
@@ -8212,11 +7847,12 @@
                     </a:srgbClr>
                   </a:outerShdw>
                 </a:effectLst>
+                <a:ea typeface="Microsoft JhengHei" panose="020B0604030504040204" pitchFamily="34" charset="-120"/>
               </a:rPr>
               <a:t> </a:t>
             </a:r>
             <a:r>
-              <a:rPr lang="zh-TW" altLang="en-US" sz="5400" b="1" dirty="0" smtClean="0">
+              <a:rPr lang="zh-TW" altLang="en-US" sz="5400" b="1" dirty="0">
                 <a:solidFill>
                   <a:srgbClr val="0000CC"/>
                 </a:solidFill>
@@ -8227,10 +7863,23 @@
                     </a:srgbClr>
                   </a:outerShdw>
                 </a:effectLst>
+                <a:ea typeface="Microsoft JhengHei" panose="020B0604030504040204" pitchFamily="34" charset="-120"/>
               </a:rPr>
               <a:t>翅</a:t>
             </a:r>
-            <a:endParaRPr lang="vi-VN" sz="5400" dirty="0"/>
+            <a:endParaRPr lang="vi-VN" sz="5400" b="1" dirty="0">
+              <a:solidFill>
+                <a:srgbClr val="0000CC"/>
+              </a:solidFill>
+              <a:effectLst>
+                <a:outerShdw blurRad="38100" dist="38100" dir="2700000" algn="tl">
+                  <a:srgbClr val="000000">
+                    <a:alpha val="43137"/>
+                  </a:srgbClr>
+                </a:outerShdw>
+              </a:effectLst>
+              <a:ea typeface="Microsoft JhengHei" panose="020B0604030504040204" pitchFamily="34" charset="-120"/>
+            </a:endParaRPr>
           </a:p>
         </p:txBody>
       </p:sp>
@@ -8271,6 +7920,138 @@
                 </a:effectLst>
               </a:rPr>
               <a:t>zhǎn chì</a:t>
+            </a:r>
+            <a:endParaRPr lang="vi-VN" sz="3600" dirty="0"/>
+          </a:p>
+        </p:txBody>
+      </p:sp>
+      <p:sp>
+        <p:nvSpPr>
+          <p:cNvPr id="20" name="TextBox 19"/>
+          <p:cNvSpPr txBox="1"/>
+          <p:nvPr/>
+        </p:nvSpPr>
+        <p:spPr>
+          <a:xfrm>
+            <a:off x="7930550" y="4947445"/>
+            <a:ext cx="2306109" cy="923330"/>
+          </a:xfrm>
+          <a:prstGeom prst="rect">
+            <a:avLst/>
+          </a:prstGeom>
+          <a:noFill/>
+        </p:spPr>
+        <p:txBody>
+          <a:bodyPr wrap="square" rtlCol="0">
+            <a:spAutoFit/>
+          </a:bodyPr>
+          <a:lstStyle/>
+          <a:p>
+            <a:pPr algn="ctr"/>
+            <a:r>
+              <a:rPr lang="zh-TW" altLang="en-US" sz="5400" b="1" dirty="0" smtClean="0">
+                <a:solidFill>
+                  <a:srgbClr val="0000CC"/>
+                </a:solidFill>
+                <a:effectLst>
+                  <a:outerShdw blurRad="38100" dist="38100" dir="2700000" algn="tl">
+                    <a:srgbClr val="000000">
+                      <a:alpha val="43137"/>
+                    </a:srgbClr>
+                  </a:outerShdw>
+                </a:effectLst>
+                <a:latin typeface="Microsoft JhengHei" panose="020B0604030504040204" pitchFamily="34" charset="-120"/>
+                <a:ea typeface="Microsoft JhengHei" panose="020B0604030504040204" pitchFamily="34" charset="-120"/>
+              </a:rPr>
+              <a:t>未</a:t>
+            </a:r>
+            <a:r>
+              <a:rPr lang="vi-VN" altLang="zh-TW" sz="5400" b="1" dirty="0" smtClean="0">
+                <a:solidFill>
+                  <a:srgbClr val="0000CC"/>
+                </a:solidFill>
+                <a:effectLst>
+                  <a:outerShdw blurRad="38100" dist="38100" dir="2700000" algn="tl">
+                    <a:srgbClr val="000000">
+                      <a:alpha val="43137"/>
+                    </a:srgbClr>
+                  </a:outerShdw>
+                </a:effectLst>
+                <a:latin typeface="Microsoft JhengHei" panose="020B0604030504040204" pitchFamily="34" charset="-120"/>
+                <a:ea typeface="Microsoft JhengHei" panose="020B0604030504040204" pitchFamily="34" charset="-120"/>
+              </a:rPr>
+              <a:t> </a:t>
+            </a:r>
+            <a:r>
+              <a:rPr lang="zh-TW" altLang="en-US" sz="5400" b="1" dirty="0" smtClean="0">
+                <a:solidFill>
+                  <a:srgbClr val="0000CC"/>
+                </a:solidFill>
+                <a:effectLst>
+                  <a:outerShdw blurRad="38100" dist="38100" dir="2700000" algn="tl">
+                    <a:srgbClr val="000000">
+                      <a:alpha val="43137"/>
+                    </a:srgbClr>
+                  </a:outerShdw>
+                </a:effectLst>
+                <a:latin typeface="Microsoft JhengHei" panose="020B0604030504040204" pitchFamily="34" charset="-120"/>
+                <a:ea typeface="Microsoft JhengHei" panose="020B0604030504040204" pitchFamily="34" charset="-120"/>
+              </a:rPr>
+              <a:t>來</a:t>
+            </a:r>
+            <a:endParaRPr lang="vi-VN" sz="5400" b="1" dirty="0">
+              <a:solidFill>
+                <a:srgbClr val="0000CC"/>
+              </a:solidFill>
+              <a:effectLst>
+                <a:outerShdw blurRad="38100" dist="38100" dir="2700000" algn="tl">
+                  <a:srgbClr val="000000">
+                    <a:alpha val="43137"/>
+                  </a:srgbClr>
+                </a:outerShdw>
+              </a:effectLst>
+              <a:ea typeface="Microsoft JhengHei" panose="020B0604030504040204" pitchFamily="34" charset="-120"/>
+            </a:endParaRPr>
+          </a:p>
+        </p:txBody>
+      </p:sp>
+      <p:sp>
+        <p:nvSpPr>
+          <p:cNvPr id="21" name="TextBox 20"/>
+          <p:cNvSpPr txBox="1"/>
+          <p:nvPr/>
+        </p:nvSpPr>
+        <p:spPr>
+          <a:xfrm>
+            <a:off x="7944193" y="5809349"/>
+            <a:ext cx="2278822" cy="646331"/>
+          </a:xfrm>
+          <a:prstGeom prst="rect">
+            <a:avLst/>
+          </a:prstGeom>
+          <a:noFill/>
+        </p:spPr>
+        <p:txBody>
+          <a:bodyPr wrap="square" rtlCol="0">
+            <a:spAutoFit/>
+          </a:bodyPr>
+          <a:lstStyle/>
+          <a:p>
+            <a:pPr algn="ctr"/>
+            <a:r>
+              <a:rPr lang="vi-VN" sz="3600" b="1" dirty="0">
+                <a:solidFill>
+                  <a:srgbClr val="002060"/>
+                </a:solidFill>
+                <a:effectLst>
+                  <a:outerShdw blurRad="38100" dist="38100" dir="2700000" algn="tl">
+                    <a:srgbClr val="000000">
+                      <a:alpha val="43137"/>
+                    </a:srgbClr>
+                  </a:outerShdw>
+                </a:effectLst>
+              </a:rPr>
+              <a:t>wèi lái</a:t>
             </a:r>
             <a:endParaRPr lang="vi-VN" sz="3600" dirty="0"/>
           </a:p>
@@ -8332,7 +8113,7 @@
               <a:buNone/>
             </a:pPr>
             <a:r>
-              <a:rPr lang="zh-TW" altLang="en-US" sz="4400" b="1" dirty="0" smtClean="0">
+              <a:rPr lang="zh-TW" altLang="en-US" sz="4800" b="1" dirty="0" smtClean="0">
                 <a:solidFill>
                   <a:srgbClr val="0000CC"/>
                 </a:solidFill>
@@ -8343,10 +8124,12 @@
                     </a:srgbClr>
                   </a:outerShdw>
                 </a:effectLst>
+                <a:latin typeface="Microsoft JhengHei" panose="020B0604030504040204" pitchFamily="34" charset="-120"/>
+                <a:ea typeface="Microsoft JhengHei" panose="020B0604030504040204" pitchFamily="34" charset="-120"/>
               </a:rPr>
               <a:t>黑夜將過去，未來不再遲疑</a:t>
             </a:r>
-            <a:endParaRPr lang="vi-VN" sz="4400" b="1" dirty="0">
+            <a:endParaRPr lang="vi-VN" sz="4800" b="1" dirty="0">
               <a:solidFill>
                 <a:srgbClr val="0000CC"/>
               </a:solidFill>
@@ -8357,6 +8140,7 @@
                   </a:srgbClr>
                 </a:outerShdw>
               </a:effectLst>
+              <a:ea typeface="Microsoft JhengHei" panose="020B0604030504040204" pitchFamily="34" charset="-120"/>
             </a:endParaRPr>
           </a:p>
         </p:txBody>
@@ -8551,7 +8335,7 @@
               <a:buNone/>
             </a:pPr>
             <a:r>
-              <a:rPr lang="zh-TW" altLang="en-US" sz="4400" b="1" dirty="0">
+              <a:rPr lang="zh-TW" altLang="en-US" sz="4800" b="1" dirty="0">
                 <a:solidFill>
                   <a:srgbClr val="0000CC"/>
                 </a:solidFill>
@@ -8562,10 +8346,12 @@
                     </a:srgbClr>
                   </a:outerShdw>
                 </a:effectLst>
+                <a:latin typeface="Microsoft JhengHei" panose="020B0604030504040204" pitchFamily="34" charset="-120"/>
+                <a:ea typeface="Microsoft JhengHei" panose="020B0604030504040204" pitchFamily="34" charset="-120"/>
               </a:rPr>
               <a:t>牽起我的手，你給我勇氣</a:t>
             </a:r>
-            <a:endParaRPr lang="vi-VN" sz="4400" b="1" dirty="0">
+            <a:endParaRPr lang="vi-VN" sz="4800" b="1" dirty="0">
               <a:solidFill>
                 <a:srgbClr val="0000CC"/>
               </a:solidFill>
@@ -8576,6 +8362,7 @@
                   </a:srgbClr>
                 </a:outerShdw>
               </a:effectLst>
+              <a:ea typeface="Microsoft JhengHei" panose="020B0604030504040204" pitchFamily="34" charset="-120"/>
             </a:endParaRPr>
           </a:p>
         </p:txBody>
@@ -8770,7 +8557,7 @@
               <a:buNone/>
             </a:pPr>
             <a:r>
-              <a:rPr lang="zh-TW" altLang="en-US" sz="4400" b="1" dirty="0">
+              <a:rPr lang="zh-TW" altLang="en-US" sz="4800" b="1" dirty="0">
                 <a:solidFill>
                   <a:srgbClr val="0000CC"/>
                 </a:solidFill>
@@ -8781,10 +8568,12 @@
                     </a:srgbClr>
                   </a:outerShdw>
                 </a:effectLst>
+                <a:latin typeface="Microsoft JhengHei" panose="020B0604030504040204" pitchFamily="34" charset="-120"/>
+                <a:ea typeface="Microsoft JhengHei" panose="020B0604030504040204" pitchFamily="34" charset="-120"/>
               </a:rPr>
               <a:t>曙光漸顯明，點亮前方路</a:t>
             </a:r>
-            <a:endParaRPr lang="vi-VN" sz="4400" b="1" dirty="0">
+            <a:endParaRPr lang="vi-VN" sz="4800" b="1" dirty="0">
               <a:solidFill>
                 <a:srgbClr val="0000CC"/>
               </a:solidFill>
@@ -8795,6 +8584,7 @@
                   </a:srgbClr>
                 </a:outerShdw>
               </a:effectLst>
+              <a:ea typeface="Microsoft JhengHei" panose="020B0604030504040204" pitchFamily="34" charset="-120"/>
             </a:endParaRPr>
           </a:p>
         </p:txBody>
@@ -8989,7 +8779,7 @@
               <a:buNone/>
             </a:pPr>
             <a:r>
-              <a:rPr lang="zh-TW" altLang="en-US" sz="4400" b="1" dirty="0">
+              <a:rPr lang="zh-TW" altLang="en-US" sz="4800" b="1" dirty="0">
                 <a:solidFill>
                   <a:srgbClr val="0000CC"/>
                 </a:solidFill>
@@ -9000,10 +8790,12 @@
                     </a:srgbClr>
                   </a:outerShdw>
                 </a:effectLst>
+                <a:latin typeface="Microsoft JhengHei" panose="020B0604030504040204" pitchFamily="34" charset="-120"/>
+                <a:ea typeface="Microsoft JhengHei" panose="020B0604030504040204" pitchFamily="34" charset="-120"/>
               </a:rPr>
               <a:t>我展翅高飛，你給我信心</a:t>
             </a:r>
-            <a:endParaRPr lang="vi-VN" sz="4400" b="1" dirty="0">
+            <a:endParaRPr lang="vi-VN" sz="4800" b="1" dirty="0">
               <a:solidFill>
                 <a:srgbClr val="0000CC"/>
               </a:solidFill>
@@ -9014,6 +8806,7 @@
                   </a:srgbClr>
                 </a:outerShdw>
               </a:effectLst>
+              <a:ea typeface="Microsoft JhengHei" panose="020B0604030504040204" pitchFamily="34" charset="-120"/>
             </a:endParaRPr>
           </a:p>
         </p:txBody>
@@ -9197,7 +8990,37 @@
                   </a:outerShdw>
                 </a:effectLst>
               </a:rPr>
-              <a:t>Qiān qǐ wǒ de shǒu, nǐ gěi wǒ </a:t>
+              <a:t>Qiān qǐ wǒ </a:t>
+            </a:r>
+            <a:r>
+              <a:rPr lang="vi-VN" sz="2800" b="1" dirty="0" smtClean="0">
+                <a:solidFill>
+                  <a:srgbClr val="002060"/>
+                </a:solidFill>
+                <a:effectLst>
+                  <a:outerShdw blurRad="38100" dist="38100" dir="2700000" algn="tl">
+                    <a:srgbClr val="000000">
+                      <a:alpha val="43137"/>
+                    </a:srgbClr>
+                  </a:outerShdw>
+                </a:effectLst>
+              </a:rPr>
+              <a:t>de (di) </a:t>
+            </a:r>
+            <a:r>
+              <a:rPr lang="vi-VN" sz="2800" b="1" dirty="0">
+                <a:solidFill>
+                  <a:srgbClr val="002060"/>
+                </a:solidFill>
+                <a:effectLst>
+                  <a:outerShdw blurRad="38100" dist="38100" dir="2700000" algn="tl">
+                    <a:srgbClr val="000000">
+                      <a:alpha val="43137"/>
+                    </a:srgbClr>
+                  </a:outerShdw>
+                </a:effectLst>
+              </a:rPr>
+              <a:t>shǒu, nǐ gěi wǒ </a:t>
             </a:r>
             <a:r>
               <a:rPr lang="vi-VN" sz="2800" b="1" dirty="0" smtClean="0">
@@ -9265,82 +9088,7 @@
                   </a:outerShdw>
                 </a:effectLst>
               </a:rPr>
-              <a:t>Shǔ guāng </a:t>
-            </a:r>
-            <a:r>
-              <a:rPr lang="vi-VN" sz="2800" b="1" dirty="0">
-                <a:solidFill>
-                  <a:srgbClr val="002060"/>
-                </a:solidFill>
-                <a:effectLst>
-                  <a:outerShdw blurRad="38100" dist="38100" dir="2700000" algn="tl">
-                    <a:srgbClr val="000000">
-                      <a:alpha val="43137"/>
-                    </a:srgbClr>
-                  </a:outerShdw>
-                </a:effectLst>
-              </a:rPr>
-              <a:t>jiàn </a:t>
-            </a:r>
-            <a:r>
-              <a:rPr lang="vi-VN" sz="2800" b="1" dirty="0">
-                <a:solidFill>
-                  <a:srgbClr val="002060"/>
-                </a:solidFill>
-                <a:effectLst>
-                  <a:outerShdw blurRad="38100" dist="38100" dir="2700000" algn="tl">
-                    <a:srgbClr val="000000">
-                      <a:alpha val="43137"/>
-                    </a:srgbClr>
-                  </a:outerShdw>
-                </a:effectLst>
-              </a:rPr>
-              <a:t>xiǎn míng</a:t>
-            </a:r>
-            <a:r>
-              <a:rPr lang="vi-VN" sz="2800" b="1" dirty="0">
-                <a:solidFill>
-                  <a:srgbClr val="002060"/>
-                </a:solidFill>
-                <a:effectLst>
-                  <a:outerShdw blurRad="38100" dist="38100" dir="2700000" algn="tl">
-                    <a:srgbClr val="000000">
-                      <a:alpha val="43137"/>
-                    </a:srgbClr>
-                  </a:outerShdw>
-                </a:effectLst>
-              </a:rPr>
-              <a:t>, diǎn liàng </a:t>
-            </a:r>
-            <a:r>
-              <a:rPr lang="vi-VN" sz="2800" b="1" dirty="0">
-                <a:solidFill>
-                  <a:srgbClr val="002060"/>
-                </a:solidFill>
-                <a:effectLst>
-                  <a:outerShdw blurRad="38100" dist="38100" dir="2700000" algn="tl">
-                    <a:srgbClr val="000000">
-                      <a:alpha val="43137"/>
-                    </a:srgbClr>
-                  </a:outerShdw>
-                </a:effectLst>
-              </a:rPr>
-              <a:t>qián fāng </a:t>
-            </a:r>
-            <a:r>
-              <a:rPr lang="vi-VN" sz="2800" b="1" dirty="0">
-                <a:solidFill>
-                  <a:srgbClr val="002060"/>
-                </a:solidFill>
-                <a:effectLst>
-                  <a:outerShdw blurRad="38100" dist="38100" dir="2700000" algn="tl">
-                    <a:srgbClr val="000000">
-                      <a:alpha val="43137"/>
-                    </a:srgbClr>
-                  </a:outerShdw>
-                </a:effectLst>
-              </a:rPr>
-              <a:t>lù</a:t>
+              <a:t>Shǔ guāng jiàn xiǎn míng, diǎn liàng qián fāng lù</a:t>
             </a:r>
           </a:p>
         </p:txBody>
@@ -9381,65 +9129,8 @@
                   </a:outerShdw>
                 </a:effectLst>
               </a:rPr>
-              <a:t>Wǒ </a:t>
-            </a:r>
-            <a:r>
-              <a:rPr lang="vi-VN" sz="2800" b="1" dirty="0">
-                <a:solidFill>
-                  <a:srgbClr val="002060"/>
-                </a:solidFill>
-                <a:effectLst>
-                  <a:outerShdw blurRad="38100" dist="38100" dir="2700000" algn="tl">
-                    <a:srgbClr val="000000">
-                      <a:alpha val="43137"/>
-                    </a:srgbClr>
-                  </a:outerShdw>
-                </a:effectLst>
-              </a:rPr>
-              <a:t>zhǎn chì gāo fēi</a:t>
-            </a:r>
-            <a:r>
-              <a:rPr lang="vi-VN" sz="2800" b="1" dirty="0">
-                <a:solidFill>
-                  <a:srgbClr val="002060"/>
-                </a:solidFill>
-                <a:effectLst>
-                  <a:outerShdw blurRad="38100" dist="38100" dir="2700000" algn="tl">
-                    <a:srgbClr val="000000">
-                      <a:alpha val="43137"/>
-                    </a:srgbClr>
-                  </a:outerShdw>
-                </a:effectLst>
-              </a:rPr>
-              <a:t>, nǐ gěi wǒ </a:t>
-            </a:r>
-            <a:r>
-              <a:rPr lang="vi-VN" sz="2800" b="1" dirty="0">
-                <a:solidFill>
-                  <a:srgbClr val="002060"/>
-                </a:solidFill>
-                <a:effectLst>
-                  <a:outerShdw blurRad="38100" dist="38100" dir="2700000" algn="tl">
-                    <a:srgbClr val="000000">
-                      <a:alpha val="43137"/>
-                    </a:srgbClr>
-                  </a:outerShdw>
-                </a:effectLst>
-              </a:rPr>
-              <a:t>xìn xīn</a:t>
-            </a:r>
-            <a:endParaRPr lang="vi-VN" sz="2800" b="1" dirty="0">
-              <a:solidFill>
-                <a:srgbClr val="002060"/>
-              </a:solidFill>
-              <a:effectLst>
-                <a:outerShdw blurRad="38100" dist="38100" dir="2700000" algn="tl">
-                  <a:srgbClr val="000000">
-                    <a:alpha val="43137"/>
-                  </a:srgbClr>
-                </a:outerShdw>
-              </a:effectLst>
-            </a:endParaRPr>
+              <a:t>Wǒ zhǎn chì gāo fēi, nǐ gěi wǒ xìn xīn</a:t>
+            </a:r>
           </a:p>
         </p:txBody>
       </p:sp>
@@ -9508,6 +9199,8 @@
                     </a:srgbClr>
                   </a:outerShdw>
                 </a:effectLst>
+                <a:latin typeface="Microsoft JhengHei" panose="020B0604030504040204" pitchFamily="34" charset="-120"/>
+                <a:ea typeface="Microsoft JhengHei" panose="020B0604030504040204" pitchFamily="34" charset="-120"/>
               </a:rPr>
               <a:t>奇</a:t>
             </a:r>
@@ -9523,6 +9216,7 @@
                     </a:srgbClr>
                   </a:outerShdw>
                 </a:effectLst>
+                <a:ea typeface="Microsoft JhengHei" panose="020B0604030504040204" pitchFamily="34" charset="-120"/>
               </a:rPr>
               <a:t> </a:t>
             </a:r>
@@ -9538,10 +9232,14 @@
                     </a:srgbClr>
                   </a:outerShdw>
                 </a:effectLst>
+                <a:latin typeface="Microsoft JhengHei" panose="020B0604030504040204" pitchFamily="34" charset="-120"/>
+                <a:ea typeface="Microsoft JhengHei" panose="020B0604030504040204" pitchFamily="34" charset="-120"/>
               </a:rPr>
               <a:t>蹟</a:t>
             </a:r>
-            <a:endParaRPr lang="vi-VN" sz="5400" dirty="0"/>
+            <a:endParaRPr lang="vi-VN" sz="5400" dirty="0">
+              <a:ea typeface="Microsoft JhengHei" panose="020B0604030504040204" pitchFamily="34" charset="-120"/>
+            </a:endParaRPr>
           </a:p>
         </p:txBody>
       </p:sp>
@@ -9637,6 +9335,8 @@
                     </a:srgbClr>
                   </a:outerShdw>
                 </a:effectLst>
+                <a:latin typeface="Microsoft JhengHei" panose="020B0604030504040204" pitchFamily="34" charset="-120"/>
+                <a:ea typeface="Microsoft JhengHei" panose="020B0604030504040204" pitchFamily="34" charset="-120"/>
               </a:rPr>
               <a:t>揮</a:t>
             </a:r>
@@ -9652,6 +9352,7 @@
                     </a:srgbClr>
                   </a:outerShdw>
                 </a:effectLst>
+                <a:ea typeface="Microsoft JhengHei" panose="020B0604030504040204" pitchFamily="34" charset="-120"/>
               </a:rPr>
               <a:t> </a:t>
             </a:r>
@@ -9667,10 +9368,14 @@
                     </a:srgbClr>
                   </a:outerShdw>
                 </a:effectLst>
+                <a:latin typeface="Microsoft JhengHei" panose="020B0604030504040204" pitchFamily="34" charset="-120"/>
+                <a:ea typeface="Microsoft JhengHei" panose="020B0604030504040204" pitchFamily="34" charset="-120"/>
               </a:rPr>
               <a:t>動</a:t>
             </a:r>
-            <a:endParaRPr lang="vi-VN" sz="5400" dirty="0"/>
+            <a:endParaRPr lang="vi-VN" sz="5400" dirty="0">
+              <a:ea typeface="Microsoft JhengHei" panose="020B0604030504040204" pitchFamily="34" charset="-120"/>
+            </a:endParaRPr>
           </a:p>
         </p:txBody>
       </p:sp>
@@ -9766,6 +9471,8 @@
                     </a:srgbClr>
                   </a:outerShdw>
                 </a:effectLst>
+                <a:latin typeface="Microsoft JhengHei" panose="020B0604030504040204" pitchFamily="34" charset="-120"/>
+                <a:ea typeface="Microsoft JhengHei" panose="020B0604030504040204" pitchFamily="34" charset="-120"/>
               </a:rPr>
               <a:t>翅</a:t>
             </a:r>
@@ -9781,6 +9488,7 @@
                     </a:srgbClr>
                   </a:outerShdw>
                 </a:effectLst>
+                <a:ea typeface="Microsoft JhengHei" panose="020B0604030504040204" pitchFamily="34" charset="-120"/>
               </a:rPr>
               <a:t> </a:t>
             </a:r>
@@ -9796,10 +9504,14 @@
                     </a:srgbClr>
                   </a:outerShdw>
                 </a:effectLst>
+                <a:latin typeface="Microsoft JhengHei" panose="020B0604030504040204" pitchFamily="34" charset="-120"/>
+                <a:ea typeface="Microsoft JhengHei" panose="020B0604030504040204" pitchFamily="34" charset="-120"/>
               </a:rPr>
               <a:t>膀</a:t>
             </a:r>
-            <a:endParaRPr lang="vi-VN" sz="5400" dirty="0"/>
+            <a:endParaRPr lang="vi-VN" sz="5400" dirty="0">
+              <a:ea typeface="Microsoft JhengHei" panose="020B0604030504040204" pitchFamily="34" charset="-120"/>
+            </a:endParaRPr>
           </a:p>
         </p:txBody>
       </p:sp>
@@ -9880,6 +9592,8 @@
                     </a:srgbClr>
                   </a:outerShdw>
                 </a:effectLst>
+                <a:latin typeface="Microsoft JhengHei" panose="020B0604030504040204" pitchFamily="34" charset="-120"/>
+                <a:ea typeface="Microsoft JhengHei" panose="020B0604030504040204" pitchFamily="34" charset="-120"/>
               </a:rPr>
               <a:t>隨</a:t>
             </a:r>
@@ -9895,6 +9609,7 @@
                     </a:srgbClr>
                   </a:outerShdw>
                 </a:effectLst>
+                <a:ea typeface="Microsoft JhengHei" panose="020B0604030504040204" pitchFamily="34" charset="-120"/>
               </a:rPr>
               <a:t> </a:t>
             </a:r>
@@ -9910,10 +9625,14 @@
                     </a:srgbClr>
                   </a:outerShdw>
                 </a:effectLst>
+                <a:latin typeface="Microsoft JhengHei" panose="020B0604030504040204" pitchFamily="34" charset="-120"/>
+                <a:ea typeface="Microsoft JhengHei" panose="020B0604030504040204" pitchFamily="34" charset="-120"/>
               </a:rPr>
               <a:t>著</a:t>
             </a:r>
-            <a:endParaRPr lang="vi-VN" sz="5400" dirty="0"/>
+            <a:endParaRPr lang="vi-VN" sz="5400" dirty="0">
+              <a:ea typeface="Microsoft JhengHei" panose="020B0604030504040204" pitchFamily="34" charset="-120"/>
+            </a:endParaRPr>
           </a:p>
         </p:txBody>
       </p:sp>
@@ -10009,6 +9728,8 @@
                     </a:srgbClr>
                   </a:outerShdw>
                 </a:effectLst>
+                <a:latin typeface="Microsoft JhengHei" panose="020B0604030504040204" pitchFamily="34" charset="-120"/>
+                <a:ea typeface="Microsoft JhengHei" panose="020B0604030504040204" pitchFamily="34" charset="-120"/>
               </a:rPr>
               <a:t>夢</a:t>
             </a:r>
@@ -10024,6 +9745,7 @@
                     </a:srgbClr>
                   </a:outerShdw>
                 </a:effectLst>
+                <a:ea typeface="Microsoft JhengHei" panose="020B0604030504040204" pitchFamily="34" charset="-120"/>
               </a:rPr>
               <a:t> </a:t>
             </a:r>
@@ -10039,10 +9761,14 @@
                     </a:srgbClr>
                   </a:outerShdw>
                 </a:effectLst>
+                <a:latin typeface="Microsoft JhengHei" panose="020B0604030504040204" pitchFamily="34" charset="-120"/>
+                <a:ea typeface="Microsoft JhengHei" panose="020B0604030504040204" pitchFamily="34" charset="-120"/>
               </a:rPr>
               <a:t>想</a:t>
             </a:r>
-            <a:endParaRPr lang="vi-VN" sz="5400" dirty="0"/>
+            <a:endParaRPr lang="vi-VN" sz="5400" dirty="0">
+              <a:ea typeface="Microsoft JhengHei" panose="020B0604030504040204" pitchFamily="34" charset="-120"/>
+            </a:endParaRPr>
           </a:p>
         </p:txBody>
       </p:sp>
@@ -10144,7 +9870,7 @@
               <a:buNone/>
             </a:pPr>
             <a:r>
-              <a:rPr lang="zh-CN" altLang="en-US" sz="4400" b="1" dirty="0">
+              <a:rPr lang="zh-CN" altLang="en-US" sz="4800" b="1" dirty="0">
                 <a:solidFill>
                   <a:srgbClr val="0000CC"/>
                 </a:solidFill>
@@ -10155,10 +9881,12 @@
                     </a:srgbClr>
                   </a:outerShdw>
                 </a:effectLst>
+                <a:latin typeface="Microsoft JhengHei" panose="020B0604030504040204" pitchFamily="34" charset="-120"/>
+                <a:ea typeface="Microsoft JhengHei" panose="020B0604030504040204" pitchFamily="34" charset="-120"/>
               </a:rPr>
               <a:t>只要相信</a:t>
             </a:r>
-            <a:endParaRPr lang="vi-VN" sz="4400" b="1" dirty="0">
+            <a:endParaRPr lang="vi-VN" sz="4800" b="1" dirty="0">
               <a:solidFill>
                 <a:srgbClr val="0000CC"/>
               </a:solidFill>
@@ -10169,6 +9897,7 @@
                   </a:srgbClr>
                 </a:outerShdw>
               </a:effectLst>
+              <a:ea typeface="Microsoft JhengHei" panose="020B0604030504040204" pitchFamily="34" charset="-120"/>
             </a:endParaRPr>
           </a:p>
         </p:txBody>
@@ -10363,7 +10092,7 @@
               <a:buNone/>
             </a:pPr>
             <a:r>
-              <a:rPr lang="zh-TW" altLang="en-US" sz="4400" b="1" dirty="0">
+              <a:rPr lang="zh-TW" altLang="en-US" sz="4800" b="1" dirty="0">
                 <a:solidFill>
                   <a:srgbClr val="0000CC"/>
                 </a:solidFill>
@@ -10374,10 +10103,12 @@
                     </a:srgbClr>
                   </a:outerShdw>
                 </a:effectLst>
+                <a:latin typeface="Microsoft JhengHei" panose="020B0604030504040204" pitchFamily="34" charset="-120"/>
+                <a:ea typeface="Microsoft JhengHei" panose="020B0604030504040204" pitchFamily="34" charset="-120"/>
               </a:rPr>
               <a:t>相信就有奇蹟</a:t>
             </a:r>
-            <a:endParaRPr lang="vi-VN" sz="4400" b="1" dirty="0">
+            <a:endParaRPr lang="vi-VN" sz="4800" b="1" dirty="0">
               <a:solidFill>
                 <a:srgbClr val="0000CC"/>
               </a:solidFill>
@@ -10388,6 +10119,7 @@
                   </a:srgbClr>
                 </a:outerShdw>
               </a:effectLst>
+              <a:ea typeface="Microsoft JhengHei" panose="020B0604030504040204" pitchFamily="34" charset="-120"/>
             </a:endParaRPr>
           </a:p>
         </p:txBody>
@@ -10582,7 +10314,7 @@
               <a:buNone/>
             </a:pPr>
             <a:r>
-              <a:rPr lang="zh-TW" altLang="en-US" sz="4400" b="1" dirty="0">
+              <a:rPr lang="zh-TW" altLang="en-US" sz="4800" b="1" dirty="0">
                 <a:solidFill>
                   <a:srgbClr val="0000CC"/>
                 </a:solidFill>
@@ -10593,10 +10325,12 @@
                     </a:srgbClr>
                   </a:outerShdw>
                 </a:effectLst>
+                <a:latin typeface="Microsoft JhengHei" panose="020B0604030504040204" pitchFamily="34" charset="-120"/>
+                <a:ea typeface="Microsoft JhengHei" panose="020B0604030504040204" pitchFamily="34" charset="-120"/>
               </a:rPr>
               <a:t>揮動信心的翅膀</a:t>
             </a:r>
-            <a:endParaRPr lang="vi-VN" sz="4400" b="1" dirty="0">
+            <a:endParaRPr lang="vi-VN" sz="4800" b="1" dirty="0">
               <a:solidFill>
                 <a:srgbClr val="0000CC"/>
               </a:solidFill>
@@ -10607,6 +10341,7 @@
                   </a:srgbClr>
                 </a:outerShdw>
               </a:effectLst>
+              <a:ea typeface="Microsoft JhengHei" panose="020B0604030504040204" pitchFamily="34" charset="-120"/>
             </a:endParaRPr>
           </a:p>
         </p:txBody>
@@ -10801,7 +10536,7 @@
               <a:buNone/>
             </a:pPr>
             <a:r>
-              <a:rPr lang="zh-TW" altLang="en-US" sz="4400" b="1" dirty="0">
+              <a:rPr lang="zh-TW" altLang="en-US" sz="4800" b="1" dirty="0">
                 <a:solidFill>
                   <a:srgbClr val="0000CC"/>
                 </a:solidFill>
@@ -10812,10 +10547,12 @@
                     </a:srgbClr>
                   </a:outerShdw>
                 </a:effectLst>
+                <a:latin typeface="Microsoft JhengHei" panose="020B0604030504040204" pitchFamily="34" charset="-120"/>
+                <a:ea typeface="Microsoft JhengHei" panose="020B0604030504040204" pitchFamily="34" charset="-120"/>
               </a:rPr>
               <a:t>隨著夢想起飛</a:t>
             </a:r>
-            <a:endParaRPr lang="vi-VN" sz="4400" b="1" dirty="0">
+            <a:endParaRPr lang="vi-VN" sz="4800" b="1" dirty="0">
               <a:solidFill>
                 <a:srgbClr val="0000CC"/>
               </a:solidFill>
@@ -10826,6 +10563,7 @@
                   </a:srgbClr>
                 </a:outerShdw>
               </a:effectLst>
+              <a:ea typeface="Microsoft JhengHei" panose="020B0604030504040204" pitchFamily="34" charset="-120"/>
             </a:endParaRPr>
           </a:p>
         </p:txBody>
@@ -10868,18 +10606,6 @@
               </a:rPr>
               <a:t>Zhǐ yào xiāng xìn</a:t>
             </a:r>
-            <a:endParaRPr lang="vi-VN" sz="2800" b="1" dirty="0">
-              <a:solidFill>
-                <a:srgbClr val="002060"/>
-              </a:solidFill>
-              <a:effectLst>
-                <a:outerShdw blurRad="38100" dist="38100" dir="2700000" algn="tl">
-                  <a:srgbClr val="000000">
-                    <a:alpha val="43137"/>
-                  </a:srgbClr>
-                </a:outerShdw>
-              </a:effectLst>
-            </a:endParaRPr>
           </a:p>
         </p:txBody>
       </p:sp>
@@ -10919,50 +10645,8 @@
                   </a:outerShdw>
                 </a:effectLst>
               </a:rPr>
-              <a:t>Xiāng xìn </a:t>
-            </a:r>
-            <a:r>
-              <a:rPr lang="vi-VN" sz="2800" b="1" dirty="0">
-                <a:solidFill>
-                  <a:srgbClr val="002060"/>
-                </a:solidFill>
-                <a:effectLst>
-                  <a:outerShdw blurRad="38100" dist="38100" dir="2700000" algn="tl">
-                    <a:srgbClr val="000000">
-                      <a:alpha val="43137"/>
-                    </a:srgbClr>
-                  </a:outerShdw>
-                </a:effectLst>
-              </a:rPr>
-              <a:t>jiù yǒu </a:t>
-            </a:r>
-            <a:r>
-              <a:rPr lang="vi-VN" sz="2800" b="1" dirty="0">
-                <a:solidFill>
-                  <a:srgbClr val="002060"/>
-                </a:solidFill>
-                <a:effectLst>
-                  <a:outerShdw blurRad="38100" dist="38100" dir="2700000" algn="tl">
-                    <a:srgbClr val="000000">
-                      <a:alpha val="43137"/>
-                    </a:srgbClr>
-                  </a:outerShdw>
-                </a:effectLst>
-              </a:rPr>
-              <a:t>qí jī</a:t>
-            </a:r>
-            <a:endParaRPr lang="vi-VN" sz="2800" b="1" dirty="0">
-              <a:solidFill>
-                <a:srgbClr val="002060"/>
-              </a:solidFill>
-              <a:effectLst>
-                <a:outerShdw blurRad="38100" dist="38100" dir="2700000" algn="tl">
-                  <a:srgbClr val="000000">
-                    <a:alpha val="43137"/>
-                  </a:srgbClr>
-                </a:outerShdw>
-              </a:effectLst>
-            </a:endParaRPr>
+              <a:t>Xiāng xìn jiù yǒu qí jī</a:t>
+            </a:r>
           </a:p>
         </p:txBody>
       </p:sp>
@@ -11017,7 +10701,7 @@
                   </a:outerShdw>
                 </a:effectLst>
               </a:rPr>
-              <a:t>de </a:t>
+              <a:t>de (di) </a:t>
             </a:r>
             <a:r>
               <a:rPr lang="vi-VN" sz="2800" b="1" dirty="0">
@@ -11034,18 +10718,6 @@
               </a:rPr>
               <a:t>chì bǎng</a:t>
             </a:r>
-            <a:endParaRPr lang="vi-VN" sz="2800" b="1" dirty="0">
-              <a:solidFill>
-                <a:srgbClr val="002060"/>
-              </a:solidFill>
-              <a:effectLst>
-                <a:outerShdw blurRad="38100" dist="38100" dir="2700000" algn="tl">
-                  <a:srgbClr val="000000">
-                    <a:alpha val="43137"/>
-                  </a:srgbClr>
-                </a:outerShdw>
-              </a:effectLst>
-            </a:endParaRPr>
           </a:p>
         </p:txBody>
       </p:sp>
@@ -11087,18 +10759,6 @@
               </a:rPr>
               <a:t>Suí zhe mèng xiǎng qǐ fēi</a:t>
             </a:r>
-            <a:endParaRPr lang="vi-VN" sz="2800" b="1" dirty="0">
-              <a:solidFill>
-                <a:srgbClr val="002060"/>
-              </a:solidFill>
-              <a:effectLst>
-                <a:outerShdw blurRad="38100" dist="38100" dir="2700000" algn="tl">
-                  <a:srgbClr val="000000">
-                    <a:alpha val="43137"/>
-                  </a:srgbClr>
-                </a:outerShdw>
-              </a:effectLst>
-            </a:endParaRPr>
           </a:p>
         </p:txBody>
       </p:sp>
@@ -11167,10 +10827,14 @@
                     </a:srgbClr>
                   </a:outerShdw>
                 </a:effectLst>
+                <a:latin typeface="Microsoft JhengHei" panose="020B0604030504040204" pitchFamily="34" charset="-120"/>
+                <a:ea typeface="Microsoft JhengHei" panose="020B0604030504040204" pitchFamily="34" charset="-120"/>
               </a:rPr>
               <a:t>輕 言</a:t>
             </a:r>
-            <a:endParaRPr lang="vi-VN" sz="5400" dirty="0"/>
+            <a:endParaRPr lang="vi-VN" sz="5400" dirty="0">
+              <a:ea typeface="Microsoft JhengHei" panose="020B0604030504040204" pitchFamily="34" charset="-120"/>
+            </a:endParaRPr>
           </a:p>
         </p:txBody>
       </p:sp>
@@ -11251,10 +10915,14 @@
                     </a:srgbClr>
                   </a:outerShdw>
                 </a:effectLst>
+                <a:latin typeface="Microsoft JhengHei" panose="020B0604030504040204" pitchFamily="34" charset="-120"/>
+                <a:ea typeface="Microsoft JhengHei" panose="020B0604030504040204" pitchFamily="34" charset="-120"/>
               </a:rPr>
               <a:t>放 棄</a:t>
             </a:r>
-            <a:endParaRPr lang="vi-VN" sz="5400" dirty="0"/>
+            <a:endParaRPr lang="vi-VN" sz="5400" dirty="0">
+              <a:ea typeface="Microsoft JhengHei" panose="020B0604030504040204" pitchFamily="34" charset="-120"/>
+            </a:endParaRPr>
           </a:p>
         </p:txBody>
       </p:sp>
@@ -11335,6 +11003,8 @@
                     </a:srgbClr>
                   </a:outerShdw>
                 </a:effectLst>
+                <a:latin typeface="Microsoft JhengHei" panose="020B0604030504040204" pitchFamily="34" charset="-120"/>
+                <a:ea typeface="Microsoft JhengHei" panose="020B0604030504040204" pitchFamily="34" charset="-120"/>
               </a:rPr>
               <a:t>孤</a:t>
             </a:r>
@@ -11350,6 +11020,7 @@
                     </a:srgbClr>
                   </a:outerShdw>
                 </a:effectLst>
+                <a:ea typeface="Microsoft JhengHei" panose="020B0604030504040204" pitchFamily="34" charset="-120"/>
               </a:rPr>
               <a:t> </a:t>
             </a:r>
@@ -11365,10 +11036,14 @@
                     </a:srgbClr>
                   </a:outerShdw>
                 </a:effectLst>
+                <a:latin typeface="Microsoft JhengHei" panose="020B0604030504040204" pitchFamily="34" charset="-120"/>
+                <a:ea typeface="Microsoft JhengHei" panose="020B0604030504040204" pitchFamily="34" charset="-120"/>
               </a:rPr>
               <a:t>寂</a:t>
             </a:r>
-            <a:endParaRPr lang="vi-VN" sz="5400" dirty="0"/>
+            <a:endParaRPr lang="vi-VN" sz="5400" dirty="0">
+              <a:ea typeface="Microsoft JhengHei" panose="020B0604030504040204" pitchFamily="34" charset="-120"/>
+            </a:endParaRPr>
           </a:p>
         </p:txBody>
       </p:sp>
@@ -11464,10 +11139,14 @@
                     </a:srgbClr>
                   </a:outerShdw>
                 </a:effectLst>
+                <a:latin typeface="Microsoft JhengHei" panose="020B0604030504040204" pitchFamily="34" charset="-120"/>
+                <a:ea typeface="Microsoft JhengHei" panose="020B0604030504040204" pitchFamily="34" charset="-120"/>
               </a:rPr>
               <a:t>逆</a:t>
             </a:r>
-            <a:endParaRPr lang="vi-VN" sz="5400" dirty="0"/>
+            <a:endParaRPr lang="vi-VN" sz="5400" dirty="0">
+              <a:ea typeface="Microsoft JhengHei" panose="020B0604030504040204" pitchFamily="34" charset="-120"/>
+            </a:endParaRPr>
           </a:p>
         </p:txBody>
       </p:sp>
@@ -11548,6 +11227,8 @@
                     </a:srgbClr>
                   </a:outerShdw>
                 </a:effectLst>
+                <a:latin typeface="Microsoft JhengHei" panose="020B0604030504040204" pitchFamily="34" charset="-120"/>
+                <a:ea typeface="Microsoft JhengHei" panose="020B0604030504040204" pitchFamily="34" charset="-120"/>
               </a:rPr>
               <a:t>佳</a:t>
             </a:r>
@@ -11563,6 +11244,7 @@
                     </a:srgbClr>
                   </a:outerShdw>
                 </a:effectLst>
+                <a:ea typeface="Microsoft JhengHei" panose="020B0604030504040204" pitchFamily="34" charset="-120"/>
               </a:rPr>
               <a:t> </a:t>
             </a:r>
@@ -11578,10 +11260,14 @@
                     </a:srgbClr>
                   </a:outerShdw>
                 </a:effectLst>
+                <a:latin typeface="Microsoft JhengHei" panose="020B0604030504040204" pitchFamily="34" charset="-120"/>
+                <a:ea typeface="Microsoft JhengHei" panose="020B0604030504040204" pitchFamily="34" charset="-120"/>
               </a:rPr>
               <a:t>美</a:t>
             </a:r>
-            <a:endParaRPr lang="vi-VN" sz="5400" dirty="0"/>
+            <a:endParaRPr lang="vi-VN" sz="5400" dirty="0">
+              <a:ea typeface="Microsoft JhengHei" panose="020B0604030504040204" pitchFamily="34" charset="-120"/>
+            </a:endParaRPr>
           </a:p>
         </p:txBody>
       </p:sp>
@@ -11683,7 +11369,7 @@
               <a:buNone/>
             </a:pPr>
             <a:r>
-              <a:rPr lang="zh-TW" altLang="en-US" sz="4400" b="1" dirty="0">
+              <a:rPr lang="zh-TW" altLang="en-US" sz="4800" b="1" dirty="0">
                 <a:solidFill>
                   <a:srgbClr val="0000CC"/>
                 </a:solidFill>
@@ -11694,10 +11380,12 @@
                     </a:srgbClr>
                   </a:outerShdw>
                 </a:effectLst>
+                <a:latin typeface="Microsoft JhengHei" panose="020B0604030504040204" pitchFamily="34" charset="-120"/>
+                <a:ea typeface="Microsoft JhengHei" panose="020B0604030504040204" pitchFamily="34" charset="-120"/>
               </a:rPr>
               <a:t>相信有愛，就有奇蹟</a:t>
             </a:r>
-            <a:endParaRPr lang="vi-VN" sz="4400" b="1" dirty="0">
+            <a:endParaRPr lang="vi-VN" sz="4800" b="1" dirty="0">
               <a:solidFill>
                 <a:srgbClr val="0000CC"/>
               </a:solidFill>
@@ -11708,6 +11396,7 @@
                   </a:srgbClr>
                 </a:outerShdw>
               </a:effectLst>
+              <a:ea typeface="Microsoft JhengHei" panose="020B0604030504040204" pitchFamily="34" charset="-120"/>
             </a:endParaRPr>
           </a:p>
         </p:txBody>
@@ -11902,7 +11591,7 @@
               <a:buNone/>
             </a:pPr>
             <a:r>
-              <a:rPr lang="zh-CN" altLang="en-US" sz="4400" b="1" dirty="0">
+              <a:rPr lang="zh-CN" altLang="en-US" sz="4800" b="1" dirty="0">
                 <a:solidFill>
                   <a:srgbClr val="0000CC"/>
                 </a:solidFill>
@@ -11913,10 +11602,12 @@
                     </a:srgbClr>
                   </a:outerShdw>
                 </a:effectLst>
+                <a:latin typeface="Microsoft JhengHei" panose="020B0604030504040204" pitchFamily="34" charset="-120"/>
+                <a:ea typeface="Microsoft JhengHei" panose="020B0604030504040204" pitchFamily="34" charset="-120"/>
               </a:rPr>
               <a:t>不輕言放棄</a:t>
             </a:r>
-            <a:endParaRPr lang="vi-VN" sz="4400" b="1" dirty="0">
+            <a:endParaRPr lang="vi-VN" sz="4800" b="1" dirty="0">
               <a:solidFill>
                 <a:srgbClr val="0000CC"/>
               </a:solidFill>
@@ -11927,6 +11618,7 @@
                   </a:srgbClr>
                 </a:outerShdw>
               </a:effectLst>
+              <a:ea typeface="Microsoft JhengHei" panose="020B0604030504040204" pitchFamily="34" charset="-120"/>
             </a:endParaRPr>
           </a:p>
         </p:txBody>
@@ -12121,7 +11813,7 @@
               <a:buNone/>
             </a:pPr>
             <a:r>
-              <a:rPr lang="zh-TW" altLang="en-US" sz="4400" b="1" dirty="0">
+              <a:rPr lang="zh-TW" altLang="en-US" sz="4800" b="1" dirty="0">
                 <a:solidFill>
                   <a:srgbClr val="0000CC"/>
                 </a:solidFill>
@@ -12132,10 +11824,12 @@
                     </a:srgbClr>
                   </a:outerShdw>
                 </a:effectLst>
+                <a:latin typeface="Microsoft JhengHei" panose="020B0604030504040204" pitchFamily="34" charset="-120"/>
+                <a:ea typeface="Microsoft JhengHei" panose="020B0604030504040204" pitchFamily="34" charset="-120"/>
               </a:rPr>
               <a:t>只要打開眼睛</a:t>
             </a:r>
-            <a:endParaRPr lang="vi-VN" sz="4400" b="1" dirty="0">
+            <a:endParaRPr lang="vi-VN" sz="4800" b="1" dirty="0">
               <a:solidFill>
                 <a:srgbClr val="0000CC"/>
               </a:solidFill>
@@ -12146,6 +11840,7 @@
                   </a:srgbClr>
                 </a:outerShdw>
               </a:effectLst>
+              <a:ea typeface="Microsoft JhengHei" panose="020B0604030504040204" pitchFamily="34" charset="-120"/>
             </a:endParaRPr>
           </a:p>
         </p:txBody>
@@ -12340,7 +12035,7 @@
               <a:buNone/>
             </a:pPr>
             <a:r>
-              <a:rPr lang="zh-TW" altLang="en-US" sz="4400" b="1" dirty="0">
+              <a:rPr lang="zh-TW" altLang="en-US" sz="4800" b="1" dirty="0">
                 <a:solidFill>
                   <a:srgbClr val="0000CC"/>
                 </a:solidFill>
@@ -12351,40 +12046,12 @@
                     </a:srgbClr>
                   </a:outerShdw>
                 </a:effectLst>
-              </a:rPr>
-              <a:t>手牽手一</a:t>
-            </a:r>
-            <a:r>
-              <a:rPr lang="zh-TW" altLang="en-US" sz="4400" b="1" dirty="0">
-                <a:solidFill>
-                  <a:srgbClr val="0000CC"/>
-                </a:solidFill>
-                <a:effectLst>
-                  <a:outerShdw blurRad="38100" dist="38100" dir="2700000" algn="tl">
-                    <a:srgbClr val="000000">
-                      <a:alpha val="43137"/>
-                    </a:srgbClr>
-                  </a:outerShdw>
-                </a:effectLst>
-              </a:rPr>
-              <a:t>起，就</a:t>
-            </a:r>
-            <a:r>
-              <a:rPr lang="zh-TW" altLang="en-US" sz="4400" b="1" dirty="0">
-                <a:solidFill>
-                  <a:srgbClr val="0000CC"/>
-                </a:solidFill>
-                <a:effectLst>
-                  <a:outerShdw blurRad="38100" dist="38100" dir="2700000" algn="tl">
-                    <a:srgbClr val="000000">
-                      <a:alpha val="43137"/>
-                    </a:srgbClr>
-                  </a:outerShdw>
-                </a:effectLst>
-              </a:rPr>
-              <a:t>不孤寂</a:t>
-            </a:r>
-            <a:endParaRPr lang="vi-VN" sz="4400" b="1" dirty="0">
+                <a:latin typeface="Microsoft JhengHei" panose="020B0604030504040204" pitchFamily="34" charset="-120"/>
+                <a:ea typeface="Microsoft JhengHei" panose="020B0604030504040204" pitchFamily="34" charset="-120"/>
+              </a:rPr>
+              <a:t>手牽手一起，就不孤寂</a:t>
+            </a:r>
+            <a:endParaRPr lang="vi-VN" sz="4800" b="1" dirty="0">
               <a:solidFill>
                 <a:srgbClr val="0000CC"/>
               </a:solidFill>
@@ -12395,6 +12062,7 @@
                   </a:srgbClr>
                 </a:outerShdw>
               </a:effectLst>
+              <a:ea typeface="Microsoft JhengHei" panose="020B0604030504040204" pitchFamily="34" charset="-120"/>
             </a:endParaRPr>
           </a:p>
         </p:txBody>
@@ -12476,35 +12144,8 @@
                   </a:outerShdw>
                 </a:effectLst>
               </a:rPr>
-              <a:t>Bù qīng yán </a:t>
-            </a:r>
-            <a:r>
-              <a:rPr lang="vi-VN" sz="2800" b="1" dirty="0">
-                <a:solidFill>
-                  <a:srgbClr val="002060"/>
-                </a:solidFill>
-                <a:effectLst>
-                  <a:outerShdw blurRad="38100" dist="38100" dir="2700000" algn="tl">
-                    <a:srgbClr val="000000">
-                      <a:alpha val="43137"/>
-                    </a:srgbClr>
-                  </a:outerShdw>
-                </a:effectLst>
-              </a:rPr>
-              <a:t>fàng qì</a:t>
-            </a:r>
-            <a:endParaRPr lang="vi-VN" sz="2800" b="1" dirty="0">
-              <a:solidFill>
-                <a:srgbClr val="002060"/>
-              </a:solidFill>
-              <a:effectLst>
-                <a:outerShdw blurRad="38100" dist="38100" dir="2700000" algn="tl">
-                  <a:srgbClr val="000000">
-                    <a:alpha val="43137"/>
-                  </a:srgbClr>
-                </a:outerShdw>
-              </a:effectLst>
-            </a:endParaRPr>
+              <a:t>Bù qīng yán fàng qì</a:t>
+            </a:r>
           </a:p>
         </p:txBody>
       </p:sp>
@@ -12546,18 +12187,6 @@
               </a:rPr>
               <a:t>Zhǐ yào dǎ kāi yǎn jīng</a:t>
             </a:r>
-            <a:endParaRPr lang="vi-VN" sz="2800" b="1" dirty="0">
-              <a:solidFill>
-                <a:srgbClr val="002060"/>
-              </a:solidFill>
-              <a:effectLst>
-                <a:outerShdw blurRad="38100" dist="38100" dir="2700000" algn="tl">
-                  <a:srgbClr val="000000">
-                    <a:alpha val="43137"/>
-                  </a:srgbClr>
-                </a:outerShdw>
-              </a:effectLst>
-            </a:endParaRPr>
           </a:p>
         </p:txBody>
       </p:sp>
@@ -12597,65 +12226,8 @@
                   </a:outerShdw>
                 </a:effectLst>
               </a:rPr>
-              <a:t>Shǒu </a:t>
-            </a:r>
-            <a:r>
-              <a:rPr lang="vi-VN" sz="2800" b="1" dirty="0">
-                <a:solidFill>
-                  <a:srgbClr val="002060"/>
-                </a:solidFill>
-                <a:effectLst>
-                  <a:outerShdw blurRad="38100" dist="38100" dir="2700000" algn="tl">
-                    <a:srgbClr val="000000">
-                      <a:alpha val="43137"/>
-                    </a:srgbClr>
-                  </a:outerShdw>
-                </a:effectLst>
-              </a:rPr>
-              <a:t>qiān shǒu yī qǐ</a:t>
-            </a:r>
-            <a:r>
-              <a:rPr lang="vi-VN" sz="2800" b="1" dirty="0">
-                <a:solidFill>
-                  <a:srgbClr val="002060"/>
-                </a:solidFill>
-                <a:effectLst>
-                  <a:outerShdw blurRad="38100" dist="38100" dir="2700000" algn="tl">
-                    <a:srgbClr val="000000">
-                      <a:alpha val="43137"/>
-                    </a:srgbClr>
-                  </a:outerShdw>
-                </a:effectLst>
-              </a:rPr>
-              <a:t>, jiù bù </a:t>
-            </a:r>
-            <a:r>
-              <a:rPr lang="vi-VN" sz="2800" b="1" dirty="0">
-                <a:solidFill>
-                  <a:srgbClr val="002060"/>
-                </a:solidFill>
-                <a:effectLst>
-                  <a:outerShdw blurRad="38100" dist="38100" dir="2700000" algn="tl">
-                    <a:srgbClr val="000000">
-                      <a:alpha val="43137"/>
-                    </a:srgbClr>
-                  </a:outerShdw>
-                </a:effectLst>
-              </a:rPr>
-              <a:t>gū jì</a:t>
-            </a:r>
-            <a:endParaRPr lang="vi-VN" sz="2800" b="1" dirty="0">
-              <a:solidFill>
-                <a:srgbClr val="002060"/>
-              </a:solidFill>
-              <a:effectLst>
-                <a:outerShdw blurRad="38100" dist="38100" dir="2700000" algn="tl">
-                  <a:srgbClr val="000000">
-                    <a:alpha val="43137"/>
-                  </a:srgbClr>
-                </a:outerShdw>
-              </a:effectLst>
-            </a:endParaRPr>
+              <a:t>Shǒu qiān shǒu yī qǐ, jiù bù gū jì</a:t>
+            </a:r>
           </a:p>
         </p:txBody>
       </p:sp>
@@ -12715,7 +12287,7 @@
               <a:buNone/>
             </a:pPr>
             <a:r>
-              <a:rPr lang="zh-TW" altLang="en-US" sz="4400" b="1" dirty="0">
+              <a:rPr lang="zh-TW" altLang="en-US" sz="4800" b="1" dirty="0">
                 <a:solidFill>
                   <a:srgbClr val="0000CC"/>
                 </a:solidFill>
@@ -12726,10 +12298,12 @@
                     </a:srgbClr>
                   </a:outerShdw>
                 </a:effectLst>
+                <a:latin typeface="Microsoft JhengHei" panose="020B0604030504040204" pitchFamily="34" charset="-120"/>
+                <a:ea typeface="Microsoft JhengHei" panose="020B0604030504040204" pitchFamily="34" charset="-120"/>
               </a:rPr>
               <a:t>相信有愛，就有奇蹟</a:t>
             </a:r>
-            <a:endParaRPr lang="vi-VN" sz="4400" b="1" dirty="0">
+            <a:endParaRPr lang="vi-VN" sz="4800" b="1" dirty="0">
               <a:solidFill>
                 <a:srgbClr val="0000CC"/>
               </a:solidFill>
@@ -12740,6 +12314,7 @@
                   </a:srgbClr>
                 </a:outerShdw>
               </a:effectLst>
+              <a:ea typeface="Microsoft JhengHei" panose="020B0604030504040204" pitchFamily="34" charset="-120"/>
             </a:endParaRPr>
           </a:p>
         </p:txBody>
@@ -12934,7 +12509,7 @@
               <a:buNone/>
             </a:pPr>
             <a:r>
-              <a:rPr lang="zh-CN" altLang="en-US" sz="4400" b="1" dirty="0">
+              <a:rPr lang="zh-CN" altLang="en-US" sz="4800" b="1" dirty="0">
                 <a:solidFill>
                   <a:srgbClr val="0000CC"/>
                 </a:solidFill>
@@ -12945,10 +12520,12 @@
                     </a:srgbClr>
                   </a:outerShdw>
                 </a:effectLst>
+                <a:latin typeface="Microsoft JhengHei" panose="020B0604030504040204" pitchFamily="34" charset="-120"/>
+                <a:ea typeface="Microsoft JhengHei" panose="020B0604030504040204" pitchFamily="34" charset="-120"/>
               </a:rPr>
               <a:t>雖然逆著風</a:t>
             </a:r>
-            <a:endParaRPr lang="vi-VN" sz="4400" b="1" dirty="0">
+            <a:endParaRPr lang="vi-VN" sz="4800" b="1" dirty="0">
               <a:solidFill>
                 <a:srgbClr val="0000CC"/>
               </a:solidFill>
@@ -12959,6 +12536,7 @@
                   </a:srgbClr>
                 </a:outerShdw>
               </a:effectLst>
+              <a:ea typeface="Microsoft JhengHei" panose="020B0604030504040204" pitchFamily="34" charset="-120"/>
             </a:endParaRPr>
           </a:p>
         </p:txBody>
@@ -13153,7 +12731,7 @@
               <a:buNone/>
             </a:pPr>
             <a:r>
-              <a:rPr lang="zh-CN" altLang="en-US" sz="4400" b="1" dirty="0">
+              <a:rPr lang="zh-CN" altLang="en-US" sz="4800" b="1" dirty="0">
                 <a:solidFill>
                   <a:srgbClr val="0000CC"/>
                 </a:solidFill>
@@ -13164,10 +12742,12 @@
                     </a:srgbClr>
                   </a:outerShdw>
                 </a:effectLst>
+                <a:latin typeface="Microsoft JhengHei" panose="020B0604030504040204" pitchFamily="34" charset="-120"/>
+                <a:ea typeface="Microsoft JhengHei" panose="020B0604030504040204" pitchFamily="34" charset="-120"/>
               </a:rPr>
               <a:t>你給我勇氣</a:t>
             </a:r>
-            <a:endParaRPr lang="vi-VN" sz="4400" b="1" dirty="0">
+            <a:endParaRPr lang="vi-VN" sz="4800" b="1" dirty="0">
               <a:solidFill>
                 <a:srgbClr val="0000CC"/>
               </a:solidFill>
@@ -13178,6 +12758,7 @@
                   </a:srgbClr>
                 </a:outerShdw>
               </a:effectLst>
+              <a:ea typeface="Microsoft JhengHei" panose="020B0604030504040204" pitchFamily="34" charset="-120"/>
             </a:endParaRPr>
           </a:p>
         </p:txBody>
@@ -13372,7 +12953,7 @@
               <a:buNone/>
             </a:pPr>
             <a:r>
-              <a:rPr lang="zh-TW" altLang="en-US" sz="4400" b="1" dirty="0">
+              <a:rPr lang="zh-TW" altLang="en-US" sz="4800" b="1" dirty="0">
                 <a:solidFill>
                   <a:srgbClr val="0000CC"/>
                 </a:solidFill>
@@ -13383,10 +12964,12 @@
                     </a:srgbClr>
                   </a:outerShdw>
                 </a:effectLst>
+                <a:latin typeface="Microsoft JhengHei" panose="020B0604030504040204" pitchFamily="34" charset="-120"/>
+                <a:ea typeface="Microsoft JhengHei" panose="020B0604030504040204" pitchFamily="34" charset="-120"/>
               </a:rPr>
               <a:t>飛往那佳美之地</a:t>
             </a:r>
-            <a:endParaRPr lang="vi-VN" sz="4400" b="1" dirty="0">
+            <a:endParaRPr lang="vi-VN" sz="4800" b="1" dirty="0">
               <a:solidFill>
                 <a:srgbClr val="0000CC"/>
               </a:solidFill>
@@ -13397,6 +12980,7 @@
                   </a:srgbClr>
                 </a:outerShdw>
               </a:effectLst>
+              <a:ea typeface="Microsoft JhengHei" panose="020B0604030504040204" pitchFamily="34" charset="-120"/>
             </a:endParaRPr>
           </a:p>
         </p:txBody>
@@ -13478,22 +13062,7 @@
                   </a:outerShdw>
                 </a:effectLst>
               </a:rPr>
-              <a:t>Suī rán nì zhe </a:t>
-            </a:r>
-            <a:r>
-              <a:rPr lang="vi-VN" sz="2800" b="1" dirty="0">
-                <a:solidFill>
-                  <a:srgbClr val="002060"/>
-                </a:solidFill>
-                <a:effectLst>
-                  <a:outerShdw blurRad="38100" dist="38100" dir="2700000" algn="tl">
-                    <a:srgbClr val="000000">
-                      <a:alpha val="43137"/>
-                    </a:srgbClr>
-                  </a:outerShdw>
-                </a:effectLst>
-              </a:rPr>
-              <a:t>fēng</a:t>
+              <a:t>Suī rán nì zhe fēng</a:t>
             </a:r>
           </a:p>
         </p:txBody>
@@ -13534,35 +13103,8 @@
                   </a:outerShdw>
                 </a:effectLst>
               </a:rPr>
-              <a:t>Nǐ gěi wǒ </a:t>
-            </a:r>
-            <a:r>
-              <a:rPr lang="vi-VN" sz="2800" b="1" dirty="0">
-                <a:solidFill>
-                  <a:srgbClr val="002060"/>
-                </a:solidFill>
-                <a:effectLst>
-                  <a:outerShdw blurRad="38100" dist="38100" dir="2700000" algn="tl">
-                    <a:srgbClr val="000000">
-                      <a:alpha val="43137"/>
-                    </a:srgbClr>
-                  </a:outerShdw>
-                </a:effectLst>
-              </a:rPr>
-              <a:t>yǒng qì</a:t>
-            </a:r>
-            <a:endParaRPr lang="vi-VN" sz="2800" b="1" dirty="0">
-              <a:solidFill>
-                <a:srgbClr val="002060"/>
-              </a:solidFill>
-              <a:effectLst>
-                <a:outerShdw blurRad="38100" dist="38100" dir="2700000" algn="tl">
-                  <a:srgbClr val="000000">
-                    <a:alpha val="43137"/>
-                  </a:srgbClr>
-                </a:outerShdw>
-              </a:effectLst>
-            </a:endParaRPr>
+              <a:t>Nǐ gěi wǒ yǒng qì</a:t>
+            </a:r>
           </a:p>
         </p:txBody>
       </p:sp>
@@ -13602,37 +13144,7 @@
                   </a:outerShdw>
                 </a:effectLst>
               </a:rPr>
-              <a:t>Fēi wǎng nà </a:t>
-            </a:r>
-            <a:r>
-              <a:rPr lang="vi-VN" sz="2800" b="1" dirty="0">
-                <a:solidFill>
-                  <a:srgbClr val="002060"/>
-                </a:solidFill>
-                <a:effectLst>
-                  <a:outerShdw blurRad="38100" dist="38100" dir="2700000" algn="tl">
-                    <a:srgbClr val="000000">
-                      <a:alpha val="43137"/>
-                    </a:srgbClr>
-                  </a:outerShdw>
-                </a:effectLst>
-              </a:rPr>
-              <a:t>jiā měi </a:t>
-            </a:r>
-            <a:r>
-              <a:rPr lang="vi-VN" sz="2800" b="1" dirty="0">
-                <a:solidFill>
-                  <a:srgbClr val="002060"/>
-                </a:solidFill>
-                <a:effectLst>
-                  <a:outerShdw blurRad="38100" dist="38100" dir="2700000" algn="tl">
-                    <a:srgbClr val="000000">
-                      <a:alpha val="43137"/>
-                    </a:srgbClr>
-                  </a:outerShdw>
-                </a:effectLst>
-              </a:rPr>
-              <a:t>zhī dì</a:t>
+              <a:t>Fēi wǎng nà jiā měi zhī dì</a:t>
             </a:r>
           </a:p>
         </p:txBody>
@@ -13787,22 +13299,7 @@
                   </a:outerShdw>
                 </a:effectLst>
               </a:rPr>
-              <a:t> ài,        jiù  yǒu  qí   </a:t>
-            </a:r>
-            <a:r>
-              <a:rPr lang="vi-VN" sz="4000" b="1" dirty="0" smtClean="0">
-                <a:solidFill>
-                  <a:srgbClr val="FF0000"/>
-                </a:solidFill>
-                <a:effectLst>
-                  <a:outerShdw blurRad="38100" dist="38100" dir="2700000" algn="tl">
-                    <a:srgbClr val="000000">
-                      <a:alpha val="43137"/>
-                    </a:srgbClr>
-                  </a:outerShdw>
-                </a:effectLst>
-              </a:rPr>
-              <a:t>jī</a:t>
+              <a:t> ài,        jiù  yǒu  qí   jī</a:t>
             </a:r>
             <a:endParaRPr lang="vi-VN" sz="4000" b="1" dirty="0">
               <a:solidFill>
